--- a/project_01/Mercado_ENGI301_project_01_proposal.pptx
+++ b/project_01/Mercado_ENGI301_project_01_proposal.pptx
@@ -5,10 +5,10 @@
     <p:sldMasterId id="2147483648" r:id="rId1"/>
   </p:sldMasterIdLst>
   <p:notesMasterIdLst>
-    <p:notesMasterId r:id="rId7"/>
+    <p:notesMasterId r:id="rId9"/>
   </p:notesMasterIdLst>
   <p:handoutMasterIdLst>
-    <p:handoutMasterId r:id="rId8"/>
+    <p:handoutMasterId r:id="rId10"/>
   </p:handoutMasterIdLst>
   <p:sldIdLst>
     <p:sldId id="261" r:id="rId2"/>
@@ -16,6 +16,8 @@
     <p:sldId id="368" r:id="rId4"/>
     <p:sldId id="370" r:id="rId5"/>
     <p:sldId id="369" r:id="rId6"/>
+    <p:sldId id="371" r:id="rId7"/>
+    <p:sldId id="372" r:id="rId8"/>
   </p:sldIdLst>
   <p:sldSz cx="12192000" cy="6858000"/>
   <p:notesSz cx="6858000" cy="9144000"/>
@@ -218,7 +220,7 @@
           <a:p>
             <a:fld id="{59041DB8-B66F-4DC8-A96E-33677E0F90FF}" type="datetimeFigureOut">
               <a:rPr lang="en-US" smtClean="0"/>
-              <a:t>2/25/2024</a:t>
+              <a:t>3/7/2024</a:t>
             </a:fld>
             <a:endParaRPr lang="en-US"/>
           </a:p>
@@ -383,7 +385,7 @@
           <a:p>
             <a:fld id="{DEB49C4A-65AC-492D-9701-81B46C3AD0E4}" type="datetimeFigureOut">
               <a:rPr lang="en-US" smtClean="0"/>
-              <a:t>2/25/2024</a:t>
+              <a:t>3/7/2024</a:t>
             </a:fld>
             <a:endParaRPr lang="en-US"/>
           </a:p>
@@ -2791,7 +2793,7 @@
           <a:p>
             <a:fld id="{384A29A4-78C8-47AB-BA06-22CB45938951}" type="datetime1">
               <a:rPr lang="en-US" smtClean="0"/>
-              <a:t>2/25/2024</a:t>
+              <a:t>3/7/2024</a:t>
             </a:fld>
             <a:endParaRPr lang="en-US"/>
           </a:p>
@@ -2986,7 +2988,7 @@
           <a:p>
             <a:fld id="{E1ED4ACF-2D82-46F2-A8E9-23963AA34E86}" type="datetime1">
               <a:rPr lang="en-US" smtClean="0"/>
-              <a:t>2/25/2024</a:t>
+              <a:t>3/7/2024</a:t>
             </a:fld>
             <a:endParaRPr lang="en-US"/>
           </a:p>
@@ -3180,7 +3182,7 @@
           <a:p>
             <a:fld id="{AE374B5B-21A0-4192-BF4C-38187F1A68D8}" type="datetime1">
               <a:rPr lang="en-US" smtClean="0"/>
-              <a:t>2/25/2024</a:t>
+              <a:t>3/7/2024</a:t>
             </a:fld>
             <a:endParaRPr lang="en-US"/>
           </a:p>
@@ -5521,7 +5523,7 @@
           <a:p>
             <a:fld id="{33B5CF7C-B333-48E1-A4A6-83A3C8B73AC0}" type="datetime1">
               <a:rPr lang="en-US" smtClean="0"/>
-              <a:t>2/25/2024</a:t>
+              <a:t>3/7/2024</a:t>
             </a:fld>
             <a:endParaRPr lang="en-US"/>
           </a:p>
@@ -5974,7 +5976,7 @@
           <a:p>
             <a:fld id="{AE320762-5CBF-4210-AB54-376B091119F8}" type="datetime1">
               <a:rPr lang="en-US" smtClean="0"/>
-              <a:t>2/25/2024</a:t>
+              <a:t>3/7/2024</a:t>
             </a:fld>
             <a:endParaRPr lang="en-US"/>
           </a:p>
@@ -6106,7 +6108,7 @@
           <a:p>
             <a:fld id="{7F0DB371-BF5F-4058-A212-1A908E4D2674}" type="datetime1">
               <a:rPr lang="en-US" smtClean="0"/>
-              <a:t>2/25/2024</a:t>
+              <a:t>3/7/2024</a:t>
             </a:fld>
             <a:endParaRPr lang="en-US"/>
           </a:p>
@@ -8039,7 +8041,7 @@
           <a:p>
             <a:fld id="{60A4083B-90AA-48CF-BAD5-00AA24D7F288}" type="datetime1">
               <a:rPr lang="en-US" smtClean="0"/>
-              <a:t>2/25/2024</a:t>
+              <a:t>3/7/2024</a:t>
             </a:fld>
             <a:endParaRPr lang="en-US"/>
           </a:p>
@@ -10298,7 +10300,7 @@
             <a:fld id="{F5BAF629-ECA2-4CF3-B790-9D9BDED98269}" type="datetime1">
               <a:rPr lang="en-US" smtClean="0"/>
               <a:pPr/>
-              <a:t>2/25/2024</a:t>
+              <a:t>3/7/2024</a:t>
             </a:fld>
             <a:endParaRPr lang="en-US"/>
           </a:p>
@@ -14593,7 +14595,7 @@
             <a:fld id="{B51B2453-8663-4C69-AF73-9FD7B1DEC5D0}" type="datetime1">
               <a:rPr lang="en-US" smtClean="0"/>
               <a:pPr/>
-              <a:t>2/25/2024</a:t>
+              <a:t>3/7/2024</a:t>
             </a:fld>
             <a:endParaRPr lang="en-US" dirty="0"/>
           </a:p>
@@ -18329,6 +18331,3047 @@
 </p:sld>
 </file>
 
+<file path=ppt/slides/slide6.xml><?xml version="1.0" encoding="utf-8"?>
+<p:sld xmlns:a="http://schemas.openxmlformats.org/drawingml/2006/main" xmlns:r="http://schemas.openxmlformats.org/officeDocument/2006/relationships" xmlns:p="http://schemas.openxmlformats.org/presentationml/2006/main">
+  <p:cSld>
+    <p:spTree>
+      <p:nvGrpSpPr>
+        <p:cNvPr id="1" name=""/>
+        <p:cNvGrpSpPr/>
+        <p:nvPr/>
+      </p:nvGrpSpPr>
+      <p:grpSpPr>
+        <a:xfrm>
+          <a:off x="0" y="0"/>
+          <a:ext cx="0" cy="0"/>
+          <a:chOff x="0" y="0"/>
+          <a:chExt cx="0" cy="0"/>
+        </a:xfrm>
+      </p:grpSpPr>
+      <p:sp>
+        <p:nvSpPr>
+          <p:cNvPr id="2" name="Title 1">
+            <a:extLst>
+              <a:ext uri="{FF2B5EF4-FFF2-40B4-BE49-F238E27FC236}">
+                <a16:creationId xmlns:a16="http://schemas.microsoft.com/office/drawing/2014/main" id="{EC5AB9D6-17AD-8BB2-6A01-53A247FF6713}"/>
+              </a:ext>
+            </a:extLst>
+          </p:cNvPr>
+          <p:cNvSpPr>
+            <a:spLocks noGrp="1"/>
+          </p:cNvSpPr>
+          <p:nvPr>
+            <p:ph type="title"/>
+          </p:nvPr>
+        </p:nvSpPr>
+        <p:spPr>
+          <a:xfrm>
+            <a:off x="609600" y="53485"/>
+            <a:ext cx="10972800" cy="914401"/>
+          </a:xfrm>
+        </p:spPr>
+        <p:txBody>
+          <a:bodyPr/>
+          <a:lstStyle/>
+          <a:p>
+            <a:r>
+              <a:rPr lang="en-US" dirty="0"/>
+              <a:t>Software Block Diagram</a:t>
+            </a:r>
+          </a:p>
+        </p:txBody>
+      </p:sp>
+      <p:sp>
+        <p:nvSpPr>
+          <p:cNvPr id="4" name="Rectangle 3">
+            <a:extLst>
+              <a:ext uri="{FF2B5EF4-FFF2-40B4-BE49-F238E27FC236}">
+                <a16:creationId xmlns:a16="http://schemas.microsoft.com/office/drawing/2014/main" id="{6BA76E18-7C51-B8F0-1860-0A4917A3DB7A}"/>
+              </a:ext>
+            </a:extLst>
+          </p:cNvPr>
+          <p:cNvSpPr/>
+          <p:nvPr/>
+        </p:nvSpPr>
+        <p:spPr>
+          <a:xfrm>
+            <a:off x="4305300" y="1409700"/>
+            <a:ext cx="1866900" cy="419100"/>
+          </a:xfrm>
+          <a:prstGeom prst="rect">
+            <a:avLst/>
+          </a:prstGeom>
+          <a:solidFill>
+            <a:schemeClr val="accent1"/>
+          </a:solidFill>
+        </p:spPr>
+        <p:style>
+          <a:lnRef idx="2">
+            <a:schemeClr val="accent1">
+              <a:shade val="15000"/>
+            </a:schemeClr>
+          </a:lnRef>
+          <a:fillRef idx="1">
+            <a:schemeClr val="accent1"/>
+          </a:fillRef>
+          <a:effectRef idx="0">
+            <a:schemeClr val="accent1"/>
+          </a:effectRef>
+          <a:fontRef idx="minor">
+            <a:schemeClr val="lt1"/>
+          </a:fontRef>
+        </p:style>
+        <p:txBody>
+          <a:bodyPr rtlCol="0" anchor="ctr"/>
+          <a:lstStyle/>
+          <a:p>
+            <a:pPr algn="ctr"/>
+            <a:r>
+              <a:rPr lang="en-US" sz="1400" dirty="0"/>
+              <a:t>Update Song List</a:t>
+            </a:r>
+          </a:p>
+        </p:txBody>
+      </p:sp>
+      <p:sp>
+        <p:nvSpPr>
+          <p:cNvPr id="5" name="Rectangle 4">
+            <a:extLst>
+              <a:ext uri="{FF2B5EF4-FFF2-40B4-BE49-F238E27FC236}">
+                <a16:creationId xmlns:a16="http://schemas.microsoft.com/office/drawing/2014/main" id="{9AACBB9B-3B43-4E04-411C-13DD98B0608E}"/>
+              </a:ext>
+            </a:extLst>
+          </p:cNvPr>
+          <p:cNvSpPr/>
+          <p:nvPr/>
+        </p:nvSpPr>
+        <p:spPr>
+          <a:xfrm>
+            <a:off x="4305300" y="2171700"/>
+            <a:ext cx="1866900" cy="419100"/>
+          </a:xfrm>
+          <a:prstGeom prst="rect">
+            <a:avLst/>
+          </a:prstGeom>
+          <a:solidFill>
+            <a:schemeClr val="accent1"/>
+          </a:solidFill>
+        </p:spPr>
+        <p:style>
+          <a:lnRef idx="2">
+            <a:schemeClr val="accent1">
+              <a:shade val="15000"/>
+            </a:schemeClr>
+          </a:lnRef>
+          <a:fillRef idx="1">
+            <a:schemeClr val="accent1"/>
+          </a:fillRef>
+          <a:effectRef idx="0">
+            <a:schemeClr val="accent1"/>
+          </a:effectRef>
+          <a:fontRef idx="minor">
+            <a:schemeClr val="lt1"/>
+          </a:fontRef>
+        </p:style>
+        <p:txBody>
+          <a:bodyPr rtlCol="0" anchor="ctr"/>
+          <a:lstStyle/>
+          <a:p>
+            <a:pPr algn="ctr"/>
+            <a:r>
+              <a:rPr lang="en-US" sz="1400" dirty="0"/>
+              <a:t>Browse through songs</a:t>
+            </a:r>
+          </a:p>
+        </p:txBody>
+      </p:sp>
+      <p:sp>
+        <p:nvSpPr>
+          <p:cNvPr id="6" name="Rectangle 5">
+            <a:extLst>
+              <a:ext uri="{FF2B5EF4-FFF2-40B4-BE49-F238E27FC236}">
+                <a16:creationId xmlns:a16="http://schemas.microsoft.com/office/drawing/2014/main" id="{E1DE0F84-746E-C818-050E-AB0F7735A178}"/>
+              </a:ext>
+            </a:extLst>
+          </p:cNvPr>
+          <p:cNvSpPr/>
+          <p:nvPr/>
+        </p:nvSpPr>
+        <p:spPr>
+          <a:xfrm>
+            <a:off x="4294239" y="2944761"/>
+            <a:ext cx="1866900" cy="419100"/>
+          </a:xfrm>
+          <a:prstGeom prst="rect">
+            <a:avLst/>
+          </a:prstGeom>
+          <a:solidFill>
+            <a:schemeClr val="accent1"/>
+          </a:solidFill>
+        </p:spPr>
+        <p:style>
+          <a:lnRef idx="2">
+            <a:schemeClr val="accent1">
+              <a:shade val="15000"/>
+            </a:schemeClr>
+          </a:lnRef>
+          <a:fillRef idx="1">
+            <a:schemeClr val="accent1"/>
+          </a:fillRef>
+          <a:effectRef idx="0">
+            <a:schemeClr val="accent1"/>
+          </a:effectRef>
+          <a:fontRef idx="minor">
+            <a:schemeClr val="lt1"/>
+          </a:fontRef>
+        </p:style>
+        <p:txBody>
+          <a:bodyPr rtlCol="0" anchor="ctr"/>
+          <a:lstStyle/>
+          <a:p>
+            <a:pPr algn="ctr"/>
+            <a:r>
+              <a:rPr lang="en-US" sz="1400" dirty="0"/>
+              <a:t>Select song</a:t>
+            </a:r>
+          </a:p>
+        </p:txBody>
+      </p:sp>
+      <p:sp>
+        <p:nvSpPr>
+          <p:cNvPr id="7" name="Rectangle 6">
+            <a:extLst>
+              <a:ext uri="{FF2B5EF4-FFF2-40B4-BE49-F238E27FC236}">
+                <a16:creationId xmlns:a16="http://schemas.microsoft.com/office/drawing/2014/main" id="{D80C95D4-1AE0-E602-CD07-F42D61DF192B}"/>
+              </a:ext>
+            </a:extLst>
+          </p:cNvPr>
+          <p:cNvSpPr/>
+          <p:nvPr/>
+        </p:nvSpPr>
+        <p:spPr>
+          <a:xfrm>
+            <a:off x="4305300" y="3706761"/>
+            <a:ext cx="1866900" cy="419100"/>
+          </a:xfrm>
+          <a:prstGeom prst="rect">
+            <a:avLst/>
+          </a:prstGeom>
+          <a:solidFill>
+            <a:schemeClr val="accent1"/>
+          </a:solidFill>
+        </p:spPr>
+        <p:style>
+          <a:lnRef idx="2">
+            <a:schemeClr val="accent1">
+              <a:shade val="15000"/>
+            </a:schemeClr>
+          </a:lnRef>
+          <a:fillRef idx="1">
+            <a:schemeClr val="accent1"/>
+          </a:fillRef>
+          <a:effectRef idx="0">
+            <a:schemeClr val="accent1"/>
+          </a:effectRef>
+          <a:fontRef idx="minor">
+            <a:schemeClr val="lt1"/>
+          </a:fontRef>
+        </p:style>
+        <p:txBody>
+          <a:bodyPr rtlCol="0" anchor="ctr"/>
+          <a:lstStyle/>
+          <a:p>
+            <a:pPr algn="ctr"/>
+            <a:r>
+              <a:rPr lang="en-US" sz="1400" dirty="0"/>
+              <a:t>Select tempo</a:t>
+            </a:r>
+          </a:p>
+        </p:txBody>
+      </p:sp>
+      <p:sp>
+        <p:nvSpPr>
+          <p:cNvPr id="8" name="Rectangle 7">
+            <a:extLst>
+              <a:ext uri="{FF2B5EF4-FFF2-40B4-BE49-F238E27FC236}">
+                <a16:creationId xmlns:a16="http://schemas.microsoft.com/office/drawing/2014/main" id="{684ED9BC-5ADF-D054-EA88-E95043FDC6B0}"/>
+              </a:ext>
+            </a:extLst>
+          </p:cNvPr>
+          <p:cNvSpPr/>
+          <p:nvPr/>
+        </p:nvSpPr>
+        <p:spPr>
+          <a:xfrm>
+            <a:off x="4294239" y="4493341"/>
+            <a:ext cx="1866900" cy="419100"/>
+          </a:xfrm>
+          <a:prstGeom prst="rect">
+            <a:avLst/>
+          </a:prstGeom>
+          <a:solidFill>
+            <a:schemeClr val="accent1"/>
+          </a:solidFill>
+        </p:spPr>
+        <p:style>
+          <a:lnRef idx="2">
+            <a:schemeClr val="accent1">
+              <a:shade val="15000"/>
+            </a:schemeClr>
+          </a:lnRef>
+          <a:fillRef idx="1">
+            <a:schemeClr val="accent1"/>
+          </a:fillRef>
+          <a:effectRef idx="0">
+            <a:schemeClr val="accent1"/>
+          </a:effectRef>
+          <a:fontRef idx="minor">
+            <a:schemeClr val="lt1"/>
+          </a:fontRef>
+        </p:style>
+        <p:txBody>
+          <a:bodyPr rtlCol="0" anchor="ctr"/>
+          <a:lstStyle/>
+          <a:p>
+            <a:pPr algn="ctr"/>
+            <a:r>
+              <a:rPr lang="en-US" sz="1400" dirty="0"/>
+              <a:t>Play through song</a:t>
+            </a:r>
+          </a:p>
+        </p:txBody>
+      </p:sp>
+      <p:sp>
+        <p:nvSpPr>
+          <p:cNvPr id="9" name="Rectangle 8">
+            <a:extLst>
+              <a:ext uri="{FF2B5EF4-FFF2-40B4-BE49-F238E27FC236}">
+                <a16:creationId xmlns:a16="http://schemas.microsoft.com/office/drawing/2014/main" id="{3C57F999-629A-AE45-7BEE-E4045FFF5CAA}"/>
+              </a:ext>
+            </a:extLst>
+          </p:cNvPr>
+          <p:cNvSpPr/>
+          <p:nvPr/>
+        </p:nvSpPr>
+        <p:spPr>
+          <a:xfrm>
+            <a:off x="4305300" y="5238750"/>
+            <a:ext cx="1866900" cy="419100"/>
+          </a:xfrm>
+          <a:prstGeom prst="rect">
+            <a:avLst/>
+          </a:prstGeom>
+          <a:solidFill>
+            <a:schemeClr val="accent1"/>
+          </a:solidFill>
+        </p:spPr>
+        <p:style>
+          <a:lnRef idx="2">
+            <a:schemeClr val="accent1">
+              <a:shade val="15000"/>
+            </a:schemeClr>
+          </a:lnRef>
+          <a:fillRef idx="1">
+            <a:schemeClr val="accent1"/>
+          </a:fillRef>
+          <a:effectRef idx="0">
+            <a:schemeClr val="accent1"/>
+          </a:effectRef>
+          <a:fontRef idx="minor">
+            <a:schemeClr val="lt1"/>
+          </a:fontRef>
+        </p:style>
+        <p:txBody>
+          <a:bodyPr rtlCol="0" anchor="ctr"/>
+          <a:lstStyle/>
+          <a:p>
+            <a:pPr algn="ctr"/>
+            <a:r>
+              <a:rPr lang="en-US" sz="1400" dirty="0"/>
+              <a:t>Button Press</a:t>
+            </a:r>
+          </a:p>
+        </p:txBody>
+      </p:sp>
+      <p:cxnSp>
+        <p:nvCxnSpPr>
+          <p:cNvPr id="15" name="Straight Connector 14">
+            <a:extLst>
+              <a:ext uri="{FF2B5EF4-FFF2-40B4-BE49-F238E27FC236}">
+                <a16:creationId xmlns:a16="http://schemas.microsoft.com/office/drawing/2014/main" id="{EEDD8336-CFD5-7CD5-15C0-33E4D4C740B7}"/>
+              </a:ext>
+            </a:extLst>
+          </p:cNvPr>
+          <p:cNvCxnSpPr>
+            <a:cxnSpLocks/>
+            <a:stCxn id="9" idx="3"/>
+          </p:cNvCxnSpPr>
+          <p:nvPr/>
+        </p:nvCxnSpPr>
+        <p:spPr>
+          <a:xfrm>
+            <a:off x="6172200" y="5448300"/>
+            <a:ext cx="609600" cy="0"/>
+          </a:xfrm>
+          <a:prstGeom prst="line">
+            <a:avLst/>
+          </a:prstGeom>
+        </p:spPr>
+        <p:style>
+          <a:lnRef idx="2">
+            <a:schemeClr val="dk1"/>
+          </a:lnRef>
+          <a:fillRef idx="0">
+            <a:schemeClr val="dk1"/>
+          </a:fillRef>
+          <a:effectRef idx="1">
+            <a:schemeClr val="dk1"/>
+          </a:effectRef>
+          <a:fontRef idx="minor">
+            <a:schemeClr val="tx1"/>
+          </a:fontRef>
+        </p:style>
+      </p:cxnSp>
+      <p:cxnSp>
+        <p:nvCxnSpPr>
+          <p:cNvPr id="18" name="Straight Connector 17">
+            <a:extLst>
+              <a:ext uri="{FF2B5EF4-FFF2-40B4-BE49-F238E27FC236}">
+                <a16:creationId xmlns:a16="http://schemas.microsoft.com/office/drawing/2014/main" id="{9A1CD0D5-958C-84E7-5042-EB9B967F9F3E}"/>
+              </a:ext>
+            </a:extLst>
+          </p:cNvPr>
+          <p:cNvCxnSpPr>
+            <a:cxnSpLocks/>
+          </p:cNvCxnSpPr>
+          <p:nvPr/>
+        </p:nvCxnSpPr>
+        <p:spPr>
+          <a:xfrm flipV="1">
+            <a:off x="6781800" y="2381250"/>
+            <a:ext cx="0" cy="3067050"/>
+          </a:xfrm>
+          <a:prstGeom prst="line">
+            <a:avLst/>
+          </a:prstGeom>
+        </p:spPr>
+        <p:style>
+          <a:lnRef idx="1">
+            <a:schemeClr val="dk1"/>
+          </a:lnRef>
+          <a:fillRef idx="0">
+            <a:schemeClr val="dk1"/>
+          </a:fillRef>
+          <a:effectRef idx="0">
+            <a:schemeClr val="dk1"/>
+          </a:effectRef>
+          <a:fontRef idx="minor">
+            <a:schemeClr val="tx1"/>
+          </a:fontRef>
+        </p:style>
+      </p:cxnSp>
+      <p:cxnSp>
+        <p:nvCxnSpPr>
+          <p:cNvPr id="20" name="Straight Arrow Connector 19">
+            <a:extLst>
+              <a:ext uri="{FF2B5EF4-FFF2-40B4-BE49-F238E27FC236}">
+                <a16:creationId xmlns:a16="http://schemas.microsoft.com/office/drawing/2014/main" id="{82F5F07C-D001-125B-F40B-D669450C6BBD}"/>
+              </a:ext>
+            </a:extLst>
+          </p:cNvPr>
+          <p:cNvCxnSpPr>
+            <a:endCxn id="5" idx="3"/>
+          </p:cNvCxnSpPr>
+          <p:nvPr/>
+        </p:nvCxnSpPr>
+        <p:spPr>
+          <a:xfrm flipH="1">
+            <a:off x="6172200" y="2381250"/>
+            <a:ext cx="609600" cy="0"/>
+          </a:xfrm>
+          <a:prstGeom prst="straightConnector1">
+            <a:avLst/>
+          </a:prstGeom>
+          <a:ln>
+            <a:tailEnd type="triangle"/>
+          </a:ln>
+        </p:spPr>
+        <p:style>
+          <a:lnRef idx="1">
+            <a:schemeClr val="dk1"/>
+          </a:lnRef>
+          <a:fillRef idx="0">
+            <a:schemeClr val="dk1"/>
+          </a:fillRef>
+          <a:effectRef idx="0">
+            <a:schemeClr val="dk1"/>
+          </a:effectRef>
+          <a:fontRef idx="minor">
+            <a:schemeClr val="tx1"/>
+          </a:fontRef>
+        </p:style>
+      </p:cxnSp>
+      <p:cxnSp>
+        <p:nvCxnSpPr>
+          <p:cNvPr id="22" name="Straight Connector 21">
+            <a:extLst>
+              <a:ext uri="{FF2B5EF4-FFF2-40B4-BE49-F238E27FC236}">
+                <a16:creationId xmlns:a16="http://schemas.microsoft.com/office/drawing/2014/main" id="{830BCF75-01AE-C0BF-E08E-3DD00D39C2D2}"/>
+              </a:ext>
+            </a:extLst>
+          </p:cNvPr>
+          <p:cNvCxnSpPr>
+            <a:stCxn id="9" idx="1"/>
+          </p:cNvCxnSpPr>
+          <p:nvPr/>
+        </p:nvCxnSpPr>
+        <p:spPr>
+          <a:xfrm flipH="1">
+            <a:off x="3848100" y="5448300"/>
+            <a:ext cx="457200" cy="0"/>
+          </a:xfrm>
+          <a:prstGeom prst="line">
+            <a:avLst/>
+          </a:prstGeom>
+        </p:spPr>
+        <p:style>
+          <a:lnRef idx="1">
+            <a:schemeClr val="dk1"/>
+          </a:lnRef>
+          <a:fillRef idx="0">
+            <a:schemeClr val="dk1"/>
+          </a:fillRef>
+          <a:effectRef idx="0">
+            <a:schemeClr val="dk1"/>
+          </a:effectRef>
+          <a:fontRef idx="minor">
+            <a:schemeClr val="tx1"/>
+          </a:fontRef>
+        </p:style>
+      </p:cxnSp>
+      <p:cxnSp>
+        <p:nvCxnSpPr>
+          <p:cNvPr id="24" name="Straight Connector 23">
+            <a:extLst>
+              <a:ext uri="{FF2B5EF4-FFF2-40B4-BE49-F238E27FC236}">
+                <a16:creationId xmlns:a16="http://schemas.microsoft.com/office/drawing/2014/main" id="{712B4D91-A629-0776-A75A-24B3D9024D89}"/>
+              </a:ext>
+            </a:extLst>
+          </p:cNvPr>
+          <p:cNvCxnSpPr>
+            <a:cxnSpLocks/>
+          </p:cNvCxnSpPr>
+          <p:nvPr/>
+        </p:nvCxnSpPr>
+        <p:spPr>
+          <a:xfrm flipV="1">
+            <a:off x="3848100" y="3924300"/>
+            <a:ext cx="0" cy="1524000"/>
+          </a:xfrm>
+          <a:prstGeom prst="line">
+            <a:avLst/>
+          </a:prstGeom>
+        </p:spPr>
+        <p:style>
+          <a:lnRef idx="1">
+            <a:schemeClr val="dk1"/>
+          </a:lnRef>
+          <a:fillRef idx="0">
+            <a:schemeClr val="dk1"/>
+          </a:fillRef>
+          <a:effectRef idx="0">
+            <a:schemeClr val="dk1"/>
+          </a:effectRef>
+          <a:fontRef idx="minor">
+            <a:schemeClr val="tx1"/>
+          </a:fontRef>
+        </p:style>
+      </p:cxnSp>
+      <p:cxnSp>
+        <p:nvCxnSpPr>
+          <p:cNvPr id="28" name="Straight Arrow Connector 27">
+            <a:extLst>
+              <a:ext uri="{FF2B5EF4-FFF2-40B4-BE49-F238E27FC236}">
+                <a16:creationId xmlns:a16="http://schemas.microsoft.com/office/drawing/2014/main" id="{AFE0F74D-5BDA-4F8C-5474-E437229D8D9F}"/>
+              </a:ext>
+            </a:extLst>
+          </p:cNvPr>
+          <p:cNvCxnSpPr>
+            <a:cxnSpLocks/>
+          </p:cNvCxnSpPr>
+          <p:nvPr/>
+        </p:nvCxnSpPr>
+        <p:spPr>
+          <a:xfrm>
+            <a:off x="3848100" y="3924300"/>
+            <a:ext cx="446139" cy="0"/>
+          </a:xfrm>
+          <a:prstGeom prst="straightConnector1">
+            <a:avLst/>
+          </a:prstGeom>
+          <a:ln>
+            <a:tailEnd type="triangle"/>
+          </a:ln>
+        </p:spPr>
+        <p:style>
+          <a:lnRef idx="1">
+            <a:schemeClr val="dk1"/>
+          </a:lnRef>
+          <a:fillRef idx="0">
+            <a:schemeClr val="dk1"/>
+          </a:fillRef>
+          <a:effectRef idx="0">
+            <a:schemeClr val="dk1"/>
+          </a:effectRef>
+          <a:fontRef idx="minor">
+            <a:schemeClr val="tx1"/>
+          </a:fontRef>
+        </p:style>
+      </p:cxnSp>
+      <p:cxnSp>
+        <p:nvCxnSpPr>
+          <p:cNvPr id="30" name="Straight Arrow Connector 29">
+            <a:extLst>
+              <a:ext uri="{FF2B5EF4-FFF2-40B4-BE49-F238E27FC236}">
+                <a16:creationId xmlns:a16="http://schemas.microsoft.com/office/drawing/2014/main" id="{A75207AE-9565-C21D-EEA5-ACB2B35B0727}"/>
+              </a:ext>
+            </a:extLst>
+          </p:cNvPr>
+          <p:cNvCxnSpPr>
+            <a:stCxn id="4" idx="2"/>
+            <a:endCxn id="5" idx="0"/>
+          </p:cNvCxnSpPr>
+          <p:nvPr/>
+        </p:nvCxnSpPr>
+        <p:spPr>
+          <a:xfrm>
+            <a:off x="5238750" y="1828800"/>
+            <a:ext cx="0" cy="342900"/>
+          </a:xfrm>
+          <a:prstGeom prst="straightConnector1">
+            <a:avLst/>
+          </a:prstGeom>
+          <a:ln>
+            <a:tailEnd type="triangle"/>
+          </a:ln>
+        </p:spPr>
+        <p:style>
+          <a:lnRef idx="1">
+            <a:schemeClr val="dk1"/>
+          </a:lnRef>
+          <a:fillRef idx="0">
+            <a:schemeClr val="dk1"/>
+          </a:fillRef>
+          <a:effectRef idx="0">
+            <a:schemeClr val="dk1"/>
+          </a:effectRef>
+          <a:fontRef idx="minor">
+            <a:schemeClr val="tx1"/>
+          </a:fontRef>
+        </p:style>
+      </p:cxnSp>
+      <p:cxnSp>
+        <p:nvCxnSpPr>
+          <p:cNvPr id="31" name="Straight Arrow Connector 30">
+            <a:extLst>
+              <a:ext uri="{FF2B5EF4-FFF2-40B4-BE49-F238E27FC236}">
+                <a16:creationId xmlns:a16="http://schemas.microsoft.com/office/drawing/2014/main" id="{CDB7AC73-D03C-733D-F8CD-BF3CD738A18F}"/>
+              </a:ext>
+            </a:extLst>
+          </p:cNvPr>
+          <p:cNvCxnSpPr>
+            <a:cxnSpLocks/>
+          </p:cNvCxnSpPr>
+          <p:nvPr/>
+        </p:nvCxnSpPr>
+        <p:spPr>
+          <a:xfrm>
+            <a:off x="5238750" y="2601861"/>
+            <a:ext cx="0" cy="342900"/>
+          </a:xfrm>
+          <a:prstGeom prst="straightConnector1">
+            <a:avLst/>
+          </a:prstGeom>
+          <a:ln>
+            <a:tailEnd type="triangle"/>
+          </a:ln>
+        </p:spPr>
+        <p:style>
+          <a:lnRef idx="1">
+            <a:schemeClr val="dk1"/>
+          </a:lnRef>
+          <a:fillRef idx="0">
+            <a:schemeClr val="dk1"/>
+          </a:fillRef>
+          <a:effectRef idx="0">
+            <a:schemeClr val="dk1"/>
+          </a:effectRef>
+          <a:fontRef idx="minor">
+            <a:schemeClr val="tx1"/>
+          </a:fontRef>
+        </p:style>
+      </p:cxnSp>
+      <p:cxnSp>
+        <p:nvCxnSpPr>
+          <p:cNvPr id="32" name="Straight Arrow Connector 31">
+            <a:extLst>
+              <a:ext uri="{FF2B5EF4-FFF2-40B4-BE49-F238E27FC236}">
+                <a16:creationId xmlns:a16="http://schemas.microsoft.com/office/drawing/2014/main" id="{A61E575A-0C91-7182-6DC4-25064ADB5F55}"/>
+              </a:ext>
+            </a:extLst>
+          </p:cNvPr>
+          <p:cNvCxnSpPr>
+            <a:cxnSpLocks/>
+          </p:cNvCxnSpPr>
+          <p:nvPr/>
+        </p:nvCxnSpPr>
+        <p:spPr>
+          <a:xfrm>
+            <a:off x="5220929" y="3363861"/>
+            <a:ext cx="0" cy="342900"/>
+          </a:xfrm>
+          <a:prstGeom prst="straightConnector1">
+            <a:avLst/>
+          </a:prstGeom>
+          <a:ln>
+            <a:tailEnd type="triangle"/>
+          </a:ln>
+        </p:spPr>
+        <p:style>
+          <a:lnRef idx="1">
+            <a:schemeClr val="dk1"/>
+          </a:lnRef>
+          <a:fillRef idx="0">
+            <a:schemeClr val="dk1"/>
+          </a:fillRef>
+          <a:effectRef idx="0">
+            <a:schemeClr val="dk1"/>
+          </a:effectRef>
+          <a:fontRef idx="minor">
+            <a:schemeClr val="tx1"/>
+          </a:fontRef>
+        </p:style>
+      </p:cxnSp>
+      <p:cxnSp>
+        <p:nvCxnSpPr>
+          <p:cNvPr id="33" name="Straight Arrow Connector 32">
+            <a:extLst>
+              <a:ext uri="{FF2B5EF4-FFF2-40B4-BE49-F238E27FC236}">
+                <a16:creationId xmlns:a16="http://schemas.microsoft.com/office/drawing/2014/main" id="{76045BF7-2BDC-6F8C-10B7-77CBF44C8F17}"/>
+              </a:ext>
+            </a:extLst>
+          </p:cNvPr>
+          <p:cNvCxnSpPr>
+            <a:cxnSpLocks/>
+            <a:stCxn id="7" idx="2"/>
+            <a:endCxn id="8" idx="0"/>
+          </p:cNvCxnSpPr>
+          <p:nvPr/>
+        </p:nvCxnSpPr>
+        <p:spPr>
+          <a:xfrm flipH="1">
+            <a:off x="5227689" y="4125861"/>
+            <a:ext cx="11061" cy="367480"/>
+          </a:xfrm>
+          <a:prstGeom prst="straightConnector1">
+            <a:avLst/>
+          </a:prstGeom>
+          <a:ln>
+            <a:tailEnd type="triangle"/>
+          </a:ln>
+        </p:spPr>
+        <p:style>
+          <a:lnRef idx="1">
+            <a:schemeClr val="dk1"/>
+          </a:lnRef>
+          <a:fillRef idx="0">
+            <a:schemeClr val="dk1"/>
+          </a:fillRef>
+          <a:effectRef idx="0">
+            <a:schemeClr val="dk1"/>
+          </a:effectRef>
+          <a:fontRef idx="minor">
+            <a:schemeClr val="tx1"/>
+          </a:fontRef>
+        </p:style>
+      </p:cxnSp>
+      <p:cxnSp>
+        <p:nvCxnSpPr>
+          <p:cNvPr id="37" name="Straight Arrow Connector 36">
+            <a:extLst>
+              <a:ext uri="{FF2B5EF4-FFF2-40B4-BE49-F238E27FC236}">
+                <a16:creationId xmlns:a16="http://schemas.microsoft.com/office/drawing/2014/main" id="{38250652-477E-E666-45EF-2038F7ADD6B0}"/>
+              </a:ext>
+            </a:extLst>
+          </p:cNvPr>
+          <p:cNvCxnSpPr>
+            <a:cxnSpLocks/>
+          </p:cNvCxnSpPr>
+          <p:nvPr/>
+        </p:nvCxnSpPr>
+        <p:spPr>
+          <a:xfrm>
+            <a:off x="5214169" y="4895850"/>
+            <a:ext cx="0" cy="342900"/>
+          </a:xfrm>
+          <a:prstGeom prst="straightConnector1">
+            <a:avLst/>
+          </a:prstGeom>
+          <a:ln>
+            <a:tailEnd type="triangle"/>
+          </a:ln>
+        </p:spPr>
+        <p:style>
+          <a:lnRef idx="1">
+            <a:schemeClr val="dk1"/>
+          </a:lnRef>
+          <a:fillRef idx="0">
+            <a:schemeClr val="dk1"/>
+          </a:fillRef>
+          <a:effectRef idx="0">
+            <a:schemeClr val="dk1"/>
+          </a:effectRef>
+          <a:fontRef idx="minor">
+            <a:schemeClr val="tx1"/>
+          </a:fontRef>
+        </p:style>
+      </p:cxnSp>
+      <p:sp>
+        <p:nvSpPr>
+          <p:cNvPr id="60" name="Rectangle: Rounded Corners 59">
+            <a:extLst>
+              <a:ext uri="{FF2B5EF4-FFF2-40B4-BE49-F238E27FC236}">
+                <a16:creationId xmlns:a16="http://schemas.microsoft.com/office/drawing/2014/main" id="{F9AB8964-5089-E748-1CE0-42BAC557DF88}"/>
+              </a:ext>
+            </a:extLst>
+          </p:cNvPr>
+          <p:cNvSpPr/>
+          <p:nvPr/>
+        </p:nvSpPr>
+        <p:spPr>
+          <a:xfrm>
+            <a:off x="3276600" y="1143001"/>
+            <a:ext cx="4076700" cy="5372099"/>
+          </a:xfrm>
+          <a:prstGeom prst="roundRect">
+            <a:avLst/>
+          </a:prstGeom>
+          <a:noFill/>
+          <a:ln w="25400">
+            <a:solidFill>
+              <a:schemeClr val="tx1"/>
+            </a:solidFill>
+            <a:prstDash val="sysDash"/>
+          </a:ln>
+        </p:spPr>
+        <p:style>
+          <a:lnRef idx="2">
+            <a:schemeClr val="accent1">
+              <a:shade val="15000"/>
+            </a:schemeClr>
+          </a:lnRef>
+          <a:fillRef idx="1">
+            <a:schemeClr val="accent1"/>
+          </a:fillRef>
+          <a:effectRef idx="0">
+            <a:schemeClr val="accent1"/>
+          </a:effectRef>
+          <a:fontRef idx="minor">
+            <a:schemeClr val="lt1"/>
+          </a:fontRef>
+        </p:style>
+        <p:txBody>
+          <a:bodyPr rtlCol="0" anchor="ctr"/>
+          <a:lstStyle/>
+          <a:p>
+            <a:pPr algn="ctr"/>
+            <a:endParaRPr lang="en-US"/>
+          </a:p>
+        </p:txBody>
+      </p:sp>
+      <p:sp>
+        <p:nvSpPr>
+          <p:cNvPr id="61" name="TextBox 60">
+            <a:extLst>
+              <a:ext uri="{FF2B5EF4-FFF2-40B4-BE49-F238E27FC236}">
+                <a16:creationId xmlns:a16="http://schemas.microsoft.com/office/drawing/2014/main" id="{EB3FD90A-EC46-D487-B40E-CABBCF4A5387}"/>
+              </a:ext>
+            </a:extLst>
+          </p:cNvPr>
+          <p:cNvSpPr txBox="1"/>
+          <p:nvPr/>
+        </p:nvSpPr>
+        <p:spPr>
+          <a:xfrm>
+            <a:off x="6324603" y="5519350"/>
+            <a:ext cx="609591" cy="276999"/>
+          </a:xfrm>
+          <a:prstGeom prst="rect">
+            <a:avLst/>
+          </a:prstGeom>
+          <a:noFill/>
+        </p:spPr>
+        <p:txBody>
+          <a:bodyPr wrap="square" rtlCol="0">
+            <a:spAutoFit/>
+          </a:bodyPr>
+          <a:lstStyle/>
+          <a:p>
+            <a:r>
+              <a:rPr lang="en-US" sz="1200" b="1" dirty="0"/>
+              <a:t>&lt; 3s</a:t>
+            </a:r>
+          </a:p>
+        </p:txBody>
+      </p:sp>
+      <p:sp>
+        <p:nvSpPr>
+          <p:cNvPr id="62" name="TextBox 61">
+            <a:extLst>
+              <a:ext uri="{FF2B5EF4-FFF2-40B4-BE49-F238E27FC236}">
+                <a16:creationId xmlns:a16="http://schemas.microsoft.com/office/drawing/2014/main" id="{0A54D2BE-294A-991F-D1ED-7F1CD904DCC5}"/>
+              </a:ext>
+            </a:extLst>
+          </p:cNvPr>
+          <p:cNvSpPr txBox="1"/>
+          <p:nvPr/>
+        </p:nvSpPr>
+        <p:spPr>
+          <a:xfrm>
+            <a:off x="3619502" y="5519349"/>
+            <a:ext cx="527870" cy="461665"/>
+          </a:xfrm>
+          <a:prstGeom prst="rect">
+            <a:avLst/>
+          </a:prstGeom>
+          <a:noFill/>
+        </p:spPr>
+        <p:txBody>
+          <a:bodyPr wrap="square" rtlCol="0">
+            <a:spAutoFit/>
+          </a:bodyPr>
+          <a:lstStyle/>
+          <a:p>
+            <a:r>
+              <a:rPr lang="en-US" sz="1200" b="1" dirty="0"/>
+              <a:t>&gt; 3s</a:t>
+            </a:r>
+          </a:p>
+          <a:p>
+            <a:endParaRPr lang="en-US" sz="1200" b="1" dirty="0"/>
+          </a:p>
+        </p:txBody>
+      </p:sp>
+      <p:sp>
+        <p:nvSpPr>
+          <p:cNvPr id="64" name="Rectangle 63">
+            <a:extLst>
+              <a:ext uri="{FF2B5EF4-FFF2-40B4-BE49-F238E27FC236}">
+                <a16:creationId xmlns:a16="http://schemas.microsoft.com/office/drawing/2014/main" id="{C3332521-5E39-B460-CD86-B124261AE458}"/>
+              </a:ext>
+            </a:extLst>
+          </p:cNvPr>
+          <p:cNvSpPr/>
+          <p:nvPr/>
+        </p:nvSpPr>
+        <p:spPr>
+          <a:xfrm>
+            <a:off x="685800" y="3832429"/>
+            <a:ext cx="1866900" cy="419100"/>
+          </a:xfrm>
+          <a:prstGeom prst="rect">
+            <a:avLst/>
+          </a:prstGeom>
+          <a:solidFill>
+            <a:schemeClr val="accent1"/>
+          </a:solidFill>
+        </p:spPr>
+        <p:style>
+          <a:lnRef idx="2">
+            <a:schemeClr val="accent1">
+              <a:shade val="15000"/>
+            </a:schemeClr>
+          </a:lnRef>
+          <a:fillRef idx="1">
+            <a:schemeClr val="accent1"/>
+          </a:fillRef>
+          <a:effectRef idx="0">
+            <a:schemeClr val="accent1"/>
+          </a:effectRef>
+          <a:fontRef idx="minor">
+            <a:schemeClr val="lt1"/>
+          </a:fontRef>
+        </p:style>
+        <p:txBody>
+          <a:bodyPr rtlCol="0" anchor="ctr"/>
+          <a:lstStyle/>
+          <a:p>
+            <a:pPr algn="ctr"/>
+            <a:r>
+              <a:rPr lang="en-US" sz="1400" dirty="0"/>
+              <a:t>Display song title</a:t>
+            </a:r>
+          </a:p>
+        </p:txBody>
+      </p:sp>
+      <p:sp>
+        <p:nvSpPr>
+          <p:cNvPr id="65" name="Rectangle 64">
+            <a:extLst>
+              <a:ext uri="{FF2B5EF4-FFF2-40B4-BE49-F238E27FC236}">
+                <a16:creationId xmlns:a16="http://schemas.microsoft.com/office/drawing/2014/main" id="{0E4C77DC-2B53-ED98-842D-12AE9CEB3ABC}"/>
+              </a:ext>
+            </a:extLst>
+          </p:cNvPr>
+          <p:cNvSpPr/>
+          <p:nvPr/>
+        </p:nvSpPr>
+        <p:spPr>
+          <a:xfrm>
+            <a:off x="685800" y="4495800"/>
+            <a:ext cx="1866900" cy="419100"/>
+          </a:xfrm>
+          <a:prstGeom prst="rect">
+            <a:avLst/>
+          </a:prstGeom>
+          <a:solidFill>
+            <a:schemeClr val="accent1"/>
+          </a:solidFill>
+        </p:spPr>
+        <p:style>
+          <a:lnRef idx="2">
+            <a:schemeClr val="accent1">
+              <a:shade val="15000"/>
+            </a:schemeClr>
+          </a:lnRef>
+          <a:fillRef idx="1">
+            <a:schemeClr val="accent1"/>
+          </a:fillRef>
+          <a:effectRef idx="0">
+            <a:schemeClr val="accent1"/>
+          </a:effectRef>
+          <a:fontRef idx="minor">
+            <a:schemeClr val="lt1"/>
+          </a:fontRef>
+        </p:style>
+        <p:txBody>
+          <a:bodyPr rtlCol="0" anchor="ctr"/>
+          <a:lstStyle/>
+          <a:p>
+            <a:pPr algn="ctr"/>
+            <a:r>
+              <a:rPr lang="en-US" sz="1400" dirty="0"/>
+              <a:t>Cycle through songs with potentiometer</a:t>
+            </a:r>
+          </a:p>
+        </p:txBody>
+      </p:sp>
+      <p:cxnSp>
+        <p:nvCxnSpPr>
+          <p:cNvPr id="66" name="Straight Arrow Connector 65">
+            <a:extLst>
+              <a:ext uri="{FF2B5EF4-FFF2-40B4-BE49-F238E27FC236}">
+                <a16:creationId xmlns:a16="http://schemas.microsoft.com/office/drawing/2014/main" id="{F043C3E9-AF33-070B-D12D-C5D2134654B1}"/>
+              </a:ext>
+            </a:extLst>
+          </p:cNvPr>
+          <p:cNvCxnSpPr>
+            <a:cxnSpLocks/>
+            <a:stCxn id="64" idx="2"/>
+            <a:endCxn id="65" idx="0"/>
+          </p:cNvCxnSpPr>
+          <p:nvPr/>
+        </p:nvCxnSpPr>
+        <p:spPr>
+          <a:xfrm>
+            <a:off x="1619250" y="4251529"/>
+            <a:ext cx="0" cy="244271"/>
+          </a:xfrm>
+          <a:prstGeom prst="straightConnector1">
+            <a:avLst/>
+          </a:prstGeom>
+          <a:ln>
+            <a:tailEnd type="triangle"/>
+          </a:ln>
+        </p:spPr>
+        <p:style>
+          <a:lnRef idx="1">
+            <a:schemeClr val="dk1"/>
+          </a:lnRef>
+          <a:fillRef idx="0">
+            <a:schemeClr val="dk1"/>
+          </a:fillRef>
+          <a:effectRef idx="0">
+            <a:schemeClr val="dk1"/>
+          </a:effectRef>
+          <a:fontRef idx="minor">
+            <a:schemeClr val="tx1"/>
+          </a:fontRef>
+        </p:style>
+      </p:cxnSp>
+      <p:cxnSp>
+        <p:nvCxnSpPr>
+          <p:cNvPr id="71" name="Straight Connector 70">
+            <a:extLst>
+              <a:ext uri="{FF2B5EF4-FFF2-40B4-BE49-F238E27FC236}">
+                <a16:creationId xmlns:a16="http://schemas.microsoft.com/office/drawing/2014/main" id="{12562D9D-E6F2-E35F-14AE-343C59829081}"/>
+              </a:ext>
+            </a:extLst>
+          </p:cNvPr>
+          <p:cNvCxnSpPr/>
+          <p:nvPr/>
+        </p:nvCxnSpPr>
+        <p:spPr>
+          <a:xfrm flipH="1">
+            <a:off x="3837039" y="3154311"/>
+            <a:ext cx="457200" cy="0"/>
+          </a:xfrm>
+          <a:prstGeom prst="line">
+            <a:avLst/>
+          </a:prstGeom>
+        </p:spPr>
+        <p:style>
+          <a:lnRef idx="1">
+            <a:schemeClr val="dk1"/>
+          </a:lnRef>
+          <a:fillRef idx="0">
+            <a:schemeClr val="dk1"/>
+          </a:fillRef>
+          <a:effectRef idx="0">
+            <a:schemeClr val="dk1"/>
+          </a:effectRef>
+          <a:fontRef idx="minor">
+            <a:schemeClr val="tx1"/>
+          </a:fontRef>
+        </p:style>
+      </p:cxnSp>
+      <p:cxnSp>
+        <p:nvCxnSpPr>
+          <p:cNvPr id="72" name="Straight Connector 71">
+            <a:extLst>
+              <a:ext uri="{FF2B5EF4-FFF2-40B4-BE49-F238E27FC236}">
+                <a16:creationId xmlns:a16="http://schemas.microsoft.com/office/drawing/2014/main" id="{121F377C-8B26-18ED-E6A3-0046F4D54F5E}"/>
+              </a:ext>
+            </a:extLst>
+          </p:cNvPr>
+          <p:cNvCxnSpPr>
+            <a:cxnSpLocks/>
+          </p:cNvCxnSpPr>
+          <p:nvPr/>
+        </p:nvCxnSpPr>
+        <p:spPr>
+          <a:xfrm flipV="1">
+            <a:off x="3835810" y="2381250"/>
+            <a:ext cx="0" cy="773061"/>
+          </a:xfrm>
+          <a:prstGeom prst="line">
+            <a:avLst/>
+          </a:prstGeom>
+        </p:spPr>
+        <p:style>
+          <a:lnRef idx="1">
+            <a:schemeClr val="dk1"/>
+          </a:lnRef>
+          <a:fillRef idx="0">
+            <a:schemeClr val="dk1"/>
+          </a:fillRef>
+          <a:effectRef idx="0">
+            <a:schemeClr val="dk1"/>
+          </a:effectRef>
+          <a:fontRef idx="minor">
+            <a:schemeClr val="tx1"/>
+          </a:fontRef>
+        </p:style>
+      </p:cxnSp>
+      <p:cxnSp>
+        <p:nvCxnSpPr>
+          <p:cNvPr id="74" name="Straight Arrow Connector 73">
+            <a:extLst>
+              <a:ext uri="{FF2B5EF4-FFF2-40B4-BE49-F238E27FC236}">
+                <a16:creationId xmlns:a16="http://schemas.microsoft.com/office/drawing/2014/main" id="{F97B9F0A-D0F0-7A65-0315-4E0265C9A8F4}"/>
+              </a:ext>
+            </a:extLst>
+          </p:cNvPr>
+          <p:cNvCxnSpPr>
+            <a:cxnSpLocks/>
+            <a:endCxn id="5" idx="1"/>
+          </p:cNvCxnSpPr>
+          <p:nvPr/>
+        </p:nvCxnSpPr>
+        <p:spPr>
+          <a:xfrm>
+            <a:off x="3835810" y="2381250"/>
+            <a:ext cx="469490" cy="0"/>
+          </a:xfrm>
+          <a:prstGeom prst="straightConnector1">
+            <a:avLst/>
+          </a:prstGeom>
+          <a:ln>
+            <a:tailEnd type="triangle"/>
+          </a:ln>
+        </p:spPr>
+        <p:style>
+          <a:lnRef idx="1">
+            <a:schemeClr val="dk1"/>
+          </a:lnRef>
+          <a:fillRef idx="0">
+            <a:schemeClr val="dk1"/>
+          </a:fillRef>
+          <a:effectRef idx="0">
+            <a:schemeClr val="dk1"/>
+          </a:effectRef>
+          <a:fontRef idx="minor">
+            <a:schemeClr val="tx1"/>
+          </a:fontRef>
+        </p:style>
+      </p:cxnSp>
+      <p:sp>
+        <p:nvSpPr>
+          <p:cNvPr id="76" name="TextBox 75">
+            <a:extLst>
+              <a:ext uri="{FF2B5EF4-FFF2-40B4-BE49-F238E27FC236}">
+                <a16:creationId xmlns:a16="http://schemas.microsoft.com/office/drawing/2014/main" id="{C7D10ABC-9A7D-06A5-5563-6897CB4EC019}"/>
+              </a:ext>
+            </a:extLst>
+          </p:cNvPr>
+          <p:cNvSpPr txBox="1"/>
+          <p:nvPr/>
+        </p:nvSpPr>
+        <p:spPr>
+          <a:xfrm>
+            <a:off x="3263546" y="2457967"/>
+            <a:ext cx="842185" cy="646331"/>
+          </a:xfrm>
+          <a:prstGeom prst="rect">
+            <a:avLst/>
+          </a:prstGeom>
+          <a:noFill/>
+        </p:spPr>
+        <p:txBody>
+          <a:bodyPr wrap="square" rtlCol="0">
+            <a:spAutoFit/>
+          </a:bodyPr>
+          <a:lstStyle/>
+          <a:p>
+            <a:r>
+              <a:rPr lang="en-US" sz="1200" b="1" dirty="0"/>
+              <a:t>&gt; 3s</a:t>
+            </a:r>
+          </a:p>
+          <a:p>
+            <a:r>
+              <a:rPr lang="en-US" sz="1200" b="1" dirty="0"/>
+              <a:t>Button press</a:t>
+            </a:r>
+          </a:p>
+        </p:txBody>
+      </p:sp>
+      <p:sp>
+        <p:nvSpPr>
+          <p:cNvPr id="77" name="Rectangle 76">
+            <a:extLst>
+              <a:ext uri="{FF2B5EF4-FFF2-40B4-BE49-F238E27FC236}">
+                <a16:creationId xmlns:a16="http://schemas.microsoft.com/office/drawing/2014/main" id="{AEBEBE91-9FED-E223-0609-56B5645DD37E}"/>
+              </a:ext>
+            </a:extLst>
+          </p:cNvPr>
+          <p:cNvSpPr/>
+          <p:nvPr/>
+        </p:nvSpPr>
+        <p:spPr>
+          <a:xfrm>
+            <a:off x="683342" y="5402519"/>
+            <a:ext cx="1866900" cy="419100"/>
+          </a:xfrm>
+          <a:prstGeom prst="rect">
+            <a:avLst/>
+          </a:prstGeom>
+          <a:solidFill>
+            <a:schemeClr val="accent1"/>
+          </a:solidFill>
+        </p:spPr>
+        <p:style>
+          <a:lnRef idx="2">
+            <a:schemeClr val="accent1">
+              <a:shade val="15000"/>
+            </a:schemeClr>
+          </a:lnRef>
+          <a:fillRef idx="1">
+            <a:schemeClr val="accent1"/>
+          </a:fillRef>
+          <a:effectRef idx="0">
+            <a:schemeClr val="accent1"/>
+          </a:effectRef>
+          <a:fontRef idx="minor">
+            <a:schemeClr val="lt1"/>
+          </a:fontRef>
+        </p:style>
+        <p:txBody>
+          <a:bodyPr rtlCol="0" anchor="ctr"/>
+          <a:lstStyle/>
+          <a:p>
+            <a:pPr algn="ctr"/>
+            <a:r>
+              <a:rPr lang="en-US" sz="1400" dirty="0"/>
+              <a:t>Display BPM</a:t>
+            </a:r>
+          </a:p>
+        </p:txBody>
+      </p:sp>
+      <p:sp>
+        <p:nvSpPr>
+          <p:cNvPr id="78" name="Rectangle 77">
+            <a:extLst>
+              <a:ext uri="{FF2B5EF4-FFF2-40B4-BE49-F238E27FC236}">
+                <a16:creationId xmlns:a16="http://schemas.microsoft.com/office/drawing/2014/main" id="{4A71637A-520A-F75E-3884-72085BC52750}"/>
+              </a:ext>
+            </a:extLst>
+          </p:cNvPr>
+          <p:cNvSpPr/>
+          <p:nvPr/>
+        </p:nvSpPr>
+        <p:spPr>
+          <a:xfrm>
+            <a:off x="683342" y="6198317"/>
+            <a:ext cx="1866900" cy="419100"/>
+          </a:xfrm>
+          <a:prstGeom prst="rect">
+            <a:avLst/>
+          </a:prstGeom>
+          <a:solidFill>
+            <a:schemeClr val="accent1"/>
+          </a:solidFill>
+        </p:spPr>
+        <p:style>
+          <a:lnRef idx="2">
+            <a:schemeClr val="accent1">
+              <a:shade val="15000"/>
+            </a:schemeClr>
+          </a:lnRef>
+          <a:fillRef idx="1">
+            <a:schemeClr val="accent1"/>
+          </a:fillRef>
+          <a:effectRef idx="0">
+            <a:schemeClr val="accent1"/>
+          </a:effectRef>
+          <a:fontRef idx="minor">
+            <a:schemeClr val="lt1"/>
+          </a:fontRef>
+        </p:style>
+        <p:txBody>
+          <a:bodyPr rtlCol="0" anchor="ctr"/>
+          <a:lstStyle/>
+          <a:p>
+            <a:pPr algn="ctr"/>
+            <a:r>
+              <a:rPr lang="en-US" sz="1400" dirty="0"/>
+              <a:t>Use potentiometer to change BPM</a:t>
+            </a:r>
+          </a:p>
+        </p:txBody>
+      </p:sp>
+      <p:cxnSp>
+        <p:nvCxnSpPr>
+          <p:cNvPr id="79" name="Straight Arrow Connector 78">
+            <a:extLst>
+              <a:ext uri="{FF2B5EF4-FFF2-40B4-BE49-F238E27FC236}">
+                <a16:creationId xmlns:a16="http://schemas.microsoft.com/office/drawing/2014/main" id="{7D5C9F17-D7CA-47F2-020E-405C84F15EB3}"/>
+              </a:ext>
+            </a:extLst>
+          </p:cNvPr>
+          <p:cNvCxnSpPr>
+            <a:cxnSpLocks/>
+            <a:stCxn id="77" idx="2"/>
+            <a:endCxn id="78" idx="0"/>
+          </p:cNvCxnSpPr>
+          <p:nvPr/>
+        </p:nvCxnSpPr>
+        <p:spPr>
+          <a:xfrm>
+            <a:off x="1616792" y="5821619"/>
+            <a:ext cx="0" cy="376698"/>
+          </a:xfrm>
+          <a:prstGeom prst="straightConnector1">
+            <a:avLst/>
+          </a:prstGeom>
+          <a:ln>
+            <a:tailEnd type="triangle"/>
+          </a:ln>
+        </p:spPr>
+        <p:style>
+          <a:lnRef idx="1">
+            <a:schemeClr val="dk1"/>
+          </a:lnRef>
+          <a:fillRef idx="0">
+            <a:schemeClr val="dk1"/>
+          </a:fillRef>
+          <a:effectRef idx="0">
+            <a:schemeClr val="dk1"/>
+          </a:effectRef>
+          <a:fontRef idx="minor">
+            <a:schemeClr val="tx1"/>
+          </a:fontRef>
+        </p:style>
+      </p:cxnSp>
+      <p:sp>
+        <p:nvSpPr>
+          <p:cNvPr id="84" name="Rectangle 83">
+            <a:extLst>
+              <a:ext uri="{FF2B5EF4-FFF2-40B4-BE49-F238E27FC236}">
+                <a16:creationId xmlns:a16="http://schemas.microsoft.com/office/drawing/2014/main" id="{86B859E7-A882-D28E-0219-67D2E897DB9F}"/>
+              </a:ext>
+            </a:extLst>
+          </p:cNvPr>
+          <p:cNvSpPr/>
+          <p:nvPr/>
+        </p:nvSpPr>
+        <p:spPr>
+          <a:xfrm>
+            <a:off x="688258" y="1184940"/>
+            <a:ext cx="1866900" cy="643859"/>
+          </a:xfrm>
+          <a:prstGeom prst="rect">
+            <a:avLst/>
+          </a:prstGeom>
+          <a:solidFill>
+            <a:schemeClr val="accent1"/>
+          </a:solidFill>
+        </p:spPr>
+        <p:style>
+          <a:lnRef idx="2">
+            <a:schemeClr val="accent1">
+              <a:shade val="15000"/>
+            </a:schemeClr>
+          </a:lnRef>
+          <a:fillRef idx="1">
+            <a:schemeClr val="accent1"/>
+          </a:fillRef>
+          <a:effectRef idx="0">
+            <a:schemeClr val="accent1"/>
+          </a:effectRef>
+          <a:fontRef idx="minor">
+            <a:schemeClr val="lt1"/>
+          </a:fontRef>
+        </p:style>
+        <p:txBody>
+          <a:bodyPr rtlCol="0" anchor="ctr"/>
+          <a:lstStyle/>
+          <a:p>
+            <a:pPr algn="ctr"/>
+            <a:r>
+              <a:rPr lang="en-US" sz="1400" dirty="0"/>
+              <a:t>Run on startup and check repository of music for new music</a:t>
+            </a:r>
+          </a:p>
+        </p:txBody>
+      </p:sp>
+      <p:sp>
+        <p:nvSpPr>
+          <p:cNvPr id="85" name="Rectangle 84">
+            <a:extLst>
+              <a:ext uri="{FF2B5EF4-FFF2-40B4-BE49-F238E27FC236}">
+                <a16:creationId xmlns:a16="http://schemas.microsoft.com/office/drawing/2014/main" id="{A4FE7F3C-1198-0FA0-6034-038FE9B88BAA}"/>
+              </a:ext>
+            </a:extLst>
+          </p:cNvPr>
+          <p:cNvSpPr/>
+          <p:nvPr/>
+        </p:nvSpPr>
+        <p:spPr>
+          <a:xfrm>
+            <a:off x="683342" y="2057861"/>
+            <a:ext cx="1866900" cy="643859"/>
+          </a:xfrm>
+          <a:prstGeom prst="rect">
+            <a:avLst/>
+          </a:prstGeom>
+          <a:solidFill>
+            <a:schemeClr val="accent1"/>
+          </a:solidFill>
+        </p:spPr>
+        <p:style>
+          <a:lnRef idx="2">
+            <a:schemeClr val="accent1">
+              <a:shade val="15000"/>
+            </a:schemeClr>
+          </a:lnRef>
+          <a:fillRef idx="1">
+            <a:schemeClr val="accent1"/>
+          </a:fillRef>
+          <a:effectRef idx="0">
+            <a:schemeClr val="accent1"/>
+          </a:effectRef>
+          <a:fontRef idx="minor">
+            <a:schemeClr val="lt1"/>
+          </a:fontRef>
+        </p:style>
+        <p:txBody>
+          <a:bodyPr rtlCol="0" anchor="ctr"/>
+          <a:lstStyle/>
+          <a:p>
+            <a:pPr algn="ctr"/>
+            <a:r>
+              <a:rPr lang="en-US" sz="1400" dirty="0"/>
+              <a:t>Run new music through pdf -&gt; music  program</a:t>
+            </a:r>
+          </a:p>
+        </p:txBody>
+      </p:sp>
+      <p:sp>
+        <p:nvSpPr>
+          <p:cNvPr id="86" name="Rectangle 85">
+            <a:extLst>
+              <a:ext uri="{FF2B5EF4-FFF2-40B4-BE49-F238E27FC236}">
+                <a16:creationId xmlns:a16="http://schemas.microsoft.com/office/drawing/2014/main" id="{E6965ECB-5807-9F88-92C9-8A42DCDF2ADF}"/>
+              </a:ext>
+            </a:extLst>
+          </p:cNvPr>
+          <p:cNvSpPr/>
+          <p:nvPr/>
+        </p:nvSpPr>
+        <p:spPr>
+          <a:xfrm>
+            <a:off x="683342" y="2930782"/>
+            <a:ext cx="1866900" cy="419100"/>
+          </a:xfrm>
+          <a:prstGeom prst="rect">
+            <a:avLst/>
+          </a:prstGeom>
+          <a:solidFill>
+            <a:schemeClr val="accent1"/>
+          </a:solidFill>
+        </p:spPr>
+        <p:style>
+          <a:lnRef idx="2">
+            <a:schemeClr val="accent1">
+              <a:shade val="15000"/>
+            </a:schemeClr>
+          </a:lnRef>
+          <a:fillRef idx="1">
+            <a:schemeClr val="accent1"/>
+          </a:fillRef>
+          <a:effectRef idx="0">
+            <a:schemeClr val="accent1"/>
+          </a:effectRef>
+          <a:fontRef idx="minor">
+            <a:schemeClr val="lt1"/>
+          </a:fontRef>
+        </p:style>
+        <p:txBody>
+          <a:bodyPr rtlCol="0" anchor="ctr"/>
+          <a:lstStyle/>
+          <a:p>
+            <a:pPr algn="ctr"/>
+            <a:r>
+              <a:rPr lang="en-US" sz="1400" dirty="0"/>
+              <a:t>Add to list of music ready to play</a:t>
+            </a:r>
+          </a:p>
+        </p:txBody>
+      </p:sp>
+      <p:cxnSp>
+        <p:nvCxnSpPr>
+          <p:cNvPr id="87" name="Straight Arrow Connector 86">
+            <a:extLst>
+              <a:ext uri="{FF2B5EF4-FFF2-40B4-BE49-F238E27FC236}">
+                <a16:creationId xmlns:a16="http://schemas.microsoft.com/office/drawing/2014/main" id="{5587F265-3310-8233-84D5-87532A1C9B30}"/>
+              </a:ext>
+            </a:extLst>
+          </p:cNvPr>
+          <p:cNvCxnSpPr>
+            <a:cxnSpLocks/>
+            <a:endCxn id="85" idx="0"/>
+          </p:cNvCxnSpPr>
+          <p:nvPr/>
+        </p:nvCxnSpPr>
+        <p:spPr>
+          <a:xfrm>
+            <a:off x="1616792" y="1828800"/>
+            <a:ext cx="0" cy="229061"/>
+          </a:xfrm>
+          <a:prstGeom prst="straightConnector1">
+            <a:avLst/>
+          </a:prstGeom>
+          <a:ln>
+            <a:tailEnd type="triangle"/>
+          </a:ln>
+        </p:spPr>
+        <p:style>
+          <a:lnRef idx="1">
+            <a:schemeClr val="dk1"/>
+          </a:lnRef>
+          <a:fillRef idx="0">
+            <a:schemeClr val="dk1"/>
+          </a:fillRef>
+          <a:effectRef idx="0">
+            <a:schemeClr val="dk1"/>
+          </a:effectRef>
+          <a:fontRef idx="minor">
+            <a:schemeClr val="tx1"/>
+          </a:fontRef>
+        </p:style>
+      </p:cxnSp>
+      <p:cxnSp>
+        <p:nvCxnSpPr>
+          <p:cNvPr id="89" name="Straight Arrow Connector 88">
+            <a:extLst>
+              <a:ext uri="{FF2B5EF4-FFF2-40B4-BE49-F238E27FC236}">
+                <a16:creationId xmlns:a16="http://schemas.microsoft.com/office/drawing/2014/main" id="{AA01184B-FAA1-9610-724F-6C488119025D}"/>
+              </a:ext>
+            </a:extLst>
+          </p:cNvPr>
+          <p:cNvCxnSpPr>
+            <a:cxnSpLocks/>
+          </p:cNvCxnSpPr>
+          <p:nvPr/>
+        </p:nvCxnSpPr>
+        <p:spPr>
+          <a:xfrm>
+            <a:off x="1616792" y="2701720"/>
+            <a:ext cx="0" cy="229061"/>
+          </a:xfrm>
+          <a:prstGeom prst="straightConnector1">
+            <a:avLst/>
+          </a:prstGeom>
+          <a:ln>
+            <a:tailEnd type="triangle"/>
+          </a:ln>
+        </p:spPr>
+        <p:style>
+          <a:lnRef idx="1">
+            <a:schemeClr val="dk1"/>
+          </a:lnRef>
+          <a:fillRef idx="0">
+            <a:schemeClr val="dk1"/>
+          </a:fillRef>
+          <a:effectRef idx="0">
+            <a:schemeClr val="dk1"/>
+          </a:effectRef>
+          <a:fontRef idx="minor">
+            <a:schemeClr val="tx1"/>
+          </a:fontRef>
+        </p:style>
+      </p:cxnSp>
+      <p:sp>
+        <p:nvSpPr>
+          <p:cNvPr id="90" name="Rectangle: Rounded Corners 89">
+            <a:extLst>
+              <a:ext uri="{FF2B5EF4-FFF2-40B4-BE49-F238E27FC236}">
+                <a16:creationId xmlns:a16="http://schemas.microsoft.com/office/drawing/2014/main" id="{04F403AF-B35C-0764-13A8-84812F77CE68}"/>
+              </a:ext>
+            </a:extLst>
+          </p:cNvPr>
+          <p:cNvSpPr/>
+          <p:nvPr/>
+        </p:nvSpPr>
+        <p:spPr>
+          <a:xfrm>
+            <a:off x="538395" y="1051938"/>
+            <a:ext cx="2156794" cy="2484106"/>
+          </a:xfrm>
+          <a:prstGeom prst="roundRect">
+            <a:avLst/>
+          </a:prstGeom>
+          <a:noFill/>
+          <a:ln w="25400">
+            <a:solidFill>
+              <a:schemeClr val="tx1"/>
+            </a:solidFill>
+            <a:prstDash val="sysDash"/>
+          </a:ln>
+        </p:spPr>
+        <p:style>
+          <a:lnRef idx="2">
+            <a:schemeClr val="accent1">
+              <a:shade val="15000"/>
+            </a:schemeClr>
+          </a:lnRef>
+          <a:fillRef idx="1">
+            <a:schemeClr val="accent1"/>
+          </a:fillRef>
+          <a:effectRef idx="0">
+            <a:schemeClr val="accent1"/>
+          </a:effectRef>
+          <a:fontRef idx="minor">
+            <a:schemeClr val="lt1"/>
+          </a:fontRef>
+        </p:style>
+        <p:txBody>
+          <a:bodyPr rtlCol="0" anchor="ctr"/>
+          <a:lstStyle/>
+          <a:p>
+            <a:pPr algn="ctr"/>
+            <a:endParaRPr lang="en-US"/>
+          </a:p>
+        </p:txBody>
+      </p:sp>
+      <p:sp>
+        <p:nvSpPr>
+          <p:cNvPr id="91" name="Rectangle: Rounded Corners 90">
+            <a:extLst>
+              <a:ext uri="{FF2B5EF4-FFF2-40B4-BE49-F238E27FC236}">
+                <a16:creationId xmlns:a16="http://schemas.microsoft.com/office/drawing/2014/main" id="{40024693-3E3C-DA82-BBA8-3CB6B41C2758}"/>
+              </a:ext>
+            </a:extLst>
+          </p:cNvPr>
+          <p:cNvSpPr/>
+          <p:nvPr/>
+        </p:nvSpPr>
+        <p:spPr>
+          <a:xfrm>
+            <a:off x="533479" y="3670388"/>
+            <a:ext cx="2156794" cy="1435012"/>
+          </a:xfrm>
+          <a:prstGeom prst="roundRect">
+            <a:avLst/>
+          </a:prstGeom>
+          <a:noFill/>
+          <a:ln w="25400">
+            <a:solidFill>
+              <a:schemeClr val="tx1"/>
+            </a:solidFill>
+            <a:prstDash val="sysDash"/>
+          </a:ln>
+        </p:spPr>
+        <p:style>
+          <a:lnRef idx="2">
+            <a:schemeClr val="accent1">
+              <a:shade val="15000"/>
+            </a:schemeClr>
+          </a:lnRef>
+          <a:fillRef idx="1">
+            <a:schemeClr val="accent1"/>
+          </a:fillRef>
+          <a:effectRef idx="0">
+            <a:schemeClr val="accent1"/>
+          </a:effectRef>
+          <a:fontRef idx="minor">
+            <a:schemeClr val="lt1"/>
+          </a:fontRef>
+        </p:style>
+        <p:txBody>
+          <a:bodyPr rtlCol="0" anchor="ctr"/>
+          <a:lstStyle/>
+          <a:p>
+            <a:pPr algn="ctr"/>
+            <a:endParaRPr lang="en-US"/>
+          </a:p>
+        </p:txBody>
+      </p:sp>
+      <p:sp>
+        <p:nvSpPr>
+          <p:cNvPr id="92" name="Rectangle: Rounded Corners 91">
+            <a:extLst>
+              <a:ext uri="{FF2B5EF4-FFF2-40B4-BE49-F238E27FC236}">
+                <a16:creationId xmlns:a16="http://schemas.microsoft.com/office/drawing/2014/main" id="{546757AF-86FB-33ED-85EE-CDDCC2348676}"/>
+              </a:ext>
+            </a:extLst>
+          </p:cNvPr>
+          <p:cNvSpPr/>
+          <p:nvPr/>
+        </p:nvSpPr>
+        <p:spPr>
+          <a:xfrm>
+            <a:off x="510206" y="5267441"/>
+            <a:ext cx="2156794" cy="1468962"/>
+          </a:xfrm>
+          <a:prstGeom prst="roundRect">
+            <a:avLst/>
+          </a:prstGeom>
+          <a:noFill/>
+          <a:ln w="25400">
+            <a:solidFill>
+              <a:schemeClr val="tx1"/>
+            </a:solidFill>
+            <a:prstDash val="sysDash"/>
+          </a:ln>
+        </p:spPr>
+        <p:style>
+          <a:lnRef idx="2">
+            <a:schemeClr val="accent1">
+              <a:shade val="15000"/>
+            </a:schemeClr>
+          </a:lnRef>
+          <a:fillRef idx="1">
+            <a:schemeClr val="accent1"/>
+          </a:fillRef>
+          <a:effectRef idx="0">
+            <a:schemeClr val="accent1"/>
+          </a:effectRef>
+          <a:fontRef idx="minor">
+            <a:schemeClr val="lt1"/>
+          </a:fontRef>
+        </p:style>
+        <p:txBody>
+          <a:bodyPr rtlCol="0" anchor="ctr"/>
+          <a:lstStyle/>
+          <a:p>
+            <a:pPr algn="ctr"/>
+            <a:endParaRPr lang="en-US"/>
+          </a:p>
+        </p:txBody>
+      </p:sp>
+      <p:sp>
+        <p:nvSpPr>
+          <p:cNvPr id="93" name="Rectangle 92">
+            <a:extLst>
+              <a:ext uri="{FF2B5EF4-FFF2-40B4-BE49-F238E27FC236}">
+                <a16:creationId xmlns:a16="http://schemas.microsoft.com/office/drawing/2014/main" id="{21F3DACD-CB4F-9005-CAD9-A894BDC06A52}"/>
+              </a:ext>
+            </a:extLst>
+          </p:cNvPr>
+          <p:cNvSpPr/>
+          <p:nvPr/>
+        </p:nvSpPr>
+        <p:spPr>
+          <a:xfrm>
+            <a:off x="8724900" y="990600"/>
+            <a:ext cx="1866900" cy="419100"/>
+          </a:xfrm>
+          <a:prstGeom prst="rect">
+            <a:avLst/>
+          </a:prstGeom>
+          <a:solidFill>
+            <a:schemeClr val="accent1"/>
+          </a:solidFill>
+        </p:spPr>
+        <p:style>
+          <a:lnRef idx="2">
+            <a:schemeClr val="accent1">
+              <a:shade val="15000"/>
+            </a:schemeClr>
+          </a:lnRef>
+          <a:fillRef idx="1">
+            <a:schemeClr val="accent1"/>
+          </a:fillRef>
+          <a:effectRef idx="0">
+            <a:schemeClr val="accent1"/>
+          </a:effectRef>
+          <a:fontRef idx="minor">
+            <a:schemeClr val="lt1"/>
+          </a:fontRef>
+        </p:style>
+        <p:txBody>
+          <a:bodyPr rtlCol="0" anchor="ctr"/>
+          <a:lstStyle/>
+          <a:p>
+            <a:pPr algn="ctr"/>
+            <a:r>
+              <a:rPr lang="en-US" sz="1400" dirty="0"/>
+              <a:t>Display guitar string represented as lines</a:t>
+            </a:r>
+          </a:p>
+        </p:txBody>
+      </p:sp>
+      <p:sp>
+        <p:nvSpPr>
+          <p:cNvPr id="94" name="Rectangle 93">
+            <a:extLst>
+              <a:ext uri="{FF2B5EF4-FFF2-40B4-BE49-F238E27FC236}">
+                <a16:creationId xmlns:a16="http://schemas.microsoft.com/office/drawing/2014/main" id="{AAF4C0D4-CC65-74F6-9774-B908EEDDBED6}"/>
+              </a:ext>
+            </a:extLst>
+          </p:cNvPr>
+          <p:cNvSpPr/>
+          <p:nvPr/>
+        </p:nvSpPr>
+        <p:spPr>
+          <a:xfrm>
+            <a:off x="8724900" y="1653626"/>
+            <a:ext cx="1866900" cy="419100"/>
+          </a:xfrm>
+          <a:prstGeom prst="rect">
+            <a:avLst/>
+          </a:prstGeom>
+          <a:solidFill>
+            <a:schemeClr val="accent1"/>
+          </a:solidFill>
+        </p:spPr>
+        <p:style>
+          <a:lnRef idx="2">
+            <a:schemeClr val="accent1">
+              <a:shade val="15000"/>
+            </a:schemeClr>
+          </a:lnRef>
+          <a:fillRef idx="1">
+            <a:schemeClr val="accent1"/>
+          </a:fillRef>
+          <a:effectRef idx="0">
+            <a:schemeClr val="accent1"/>
+          </a:effectRef>
+          <a:fontRef idx="minor">
+            <a:schemeClr val="lt1"/>
+          </a:fontRef>
+        </p:style>
+        <p:txBody>
+          <a:bodyPr rtlCol="0" anchor="ctr"/>
+          <a:lstStyle/>
+          <a:p>
+            <a:pPr algn="ctr"/>
+            <a:r>
+              <a:rPr lang="en-US" sz="1400" dirty="0"/>
+              <a:t>Press button to start</a:t>
+            </a:r>
+          </a:p>
+        </p:txBody>
+      </p:sp>
+      <p:sp>
+        <p:nvSpPr>
+          <p:cNvPr id="95" name="Rectangle 94">
+            <a:extLst>
+              <a:ext uri="{FF2B5EF4-FFF2-40B4-BE49-F238E27FC236}">
+                <a16:creationId xmlns:a16="http://schemas.microsoft.com/office/drawing/2014/main" id="{558E649D-251E-67A8-84B0-7F369821277D}"/>
+              </a:ext>
+            </a:extLst>
+          </p:cNvPr>
+          <p:cNvSpPr/>
+          <p:nvPr/>
+        </p:nvSpPr>
+        <p:spPr>
+          <a:xfrm>
+            <a:off x="8724900" y="2310815"/>
+            <a:ext cx="1866900" cy="419100"/>
+          </a:xfrm>
+          <a:prstGeom prst="rect">
+            <a:avLst/>
+          </a:prstGeom>
+          <a:solidFill>
+            <a:schemeClr val="accent1"/>
+          </a:solidFill>
+        </p:spPr>
+        <p:style>
+          <a:lnRef idx="2">
+            <a:schemeClr val="accent1">
+              <a:shade val="15000"/>
+            </a:schemeClr>
+          </a:lnRef>
+          <a:fillRef idx="1">
+            <a:schemeClr val="accent1"/>
+          </a:fillRef>
+          <a:effectRef idx="0">
+            <a:schemeClr val="accent1"/>
+          </a:effectRef>
+          <a:fontRef idx="minor">
+            <a:schemeClr val="lt1"/>
+          </a:fontRef>
+        </p:style>
+        <p:txBody>
+          <a:bodyPr rtlCol="0" anchor="ctr"/>
+          <a:lstStyle/>
+          <a:p>
+            <a:pPr algn="ctr"/>
+            <a:r>
+              <a:rPr lang="en-US" sz="1400" dirty="0"/>
+              <a:t>Blinks tempo using LED</a:t>
+            </a:r>
+          </a:p>
+        </p:txBody>
+      </p:sp>
+      <p:sp>
+        <p:nvSpPr>
+          <p:cNvPr id="96" name="Rectangle 95">
+            <a:extLst>
+              <a:ext uri="{FF2B5EF4-FFF2-40B4-BE49-F238E27FC236}">
+                <a16:creationId xmlns:a16="http://schemas.microsoft.com/office/drawing/2014/main" id="{A528C4C8-2BEC-E24D-B9E5-DE463C32F064}"/>
+              </a:ext>
+            </a:extLst>
+          </p:cNvPr>
+          <p:cNvSpPr/>
+          <p:nvPr/>
+        </p:nvSpPr>
+        <p:spPr>
+          <a:xfrm>
+            <a:off x="8724900" y="2975014"/>
+            <a:ext cx="1866900" cy="695374"/>
+          </a:xfrm>
+          <a:prstGeom prst="rect">
+            <a:avLst/>
+          </a:prstGeom>
+          <a:solidFill>
+            <a:schemeClr val="accent1"/>
+          </a:solidFill>
+        </p:spPr>
+        <p:style>
+          <a:lnRef idx="2">
+            <a:schemeClr val="accent1">
+              <a:shade val="15000"/>
+            </a:schemeClr>
+          </a:lnRef>
+          <a:fillRef idx="1">
+            <a:schemeClr val="accent1"/>
+          </a:fillRef>
+          <a:effectRef idx="0">
+            <a:schemeClr val="accent1"/>
+          </a:effectRef>
+          <a:fontRef idx="minor">
+            <a:schemeClr val="lt1"/>
+          </a:fontRef>
+        </p:style>
+        <p:txBody>
+          <a:bodyPr rtlCol="0" anchor="ctr"/>
+          <a:lstStyle/>
+          <a:p>
+            <a:pPr algn="ctr"/>
+            <a:r>
+              <a:rPr lang="en-US" sz="1400" dirty="0"/>
+              <a:t>Displays chords according to music sheet and tempo</a:t>
+            </a:r>
+          </a:p>
+        </p:txBody>
+      </p:sp>
+      <p:sp>
+        <p:nvSpPr>
+          <p:cNvPr id="97" name="Rectangle 96">
+            <a:extLst>
+              <a:ext uri="{FF2B5EF4-FFF2-40B4-BE49-F238E27FC236}">
+                <a16:creationId xmlns:a16="http://schemas.microsoft.com/office/drawing/2014/main" id="{FF4A9712-D625-6975-1E4A-8026C468A758}"/>
+              </a:ext>
+            </a:extLst>
+          </p:cNvPr>
+          <p:cNvSpPr/>
+          <p:nvPr/>
+        </p:nvSpPr>
+        <p:spPr>
+          <a:xfrm>
+            <a:off x="8715682" y="3903062"/>
+            <a:ext cx="1866900" cy="419100"/>
+          </a:xfrm>
+          <a:prstGeom prst="rect">
+            <a:avLst/>
+          </a:prstGeom>
+          <a:solidFill>
+            <a:schemeClr val="accent1"/>
+          </a:solidFill>
+        </p:spPr>
+        <p:style>
+          <a:lnRef idx="2">
+            <a:schemeClr val="accent1">
+              <a:shade val="15000"/>
+            </a:schemeClr>
+          </a:lnRef>
+          <a:fillRef idx="1">
+            <a:schemeClr val="accent1"/>
+          </a:fillRef>
+          <a:effectRef idx="0">
+            <a:schemeClr val="accent1"/>
+          </a:effectRef>
+          <a:fontRef idx="minor">
+            <a:schemeClr val="lt1"/>
+          </a:fontRef>
+        </p:style>
+        <p:txBody>
+          <a:bodyPr rtlCol="0" anchor="ctr"/>
+          <a:lstStyle/>
+          <a:p>
+            <a:pPr algn="ctr"/>
+            <a:r>
+              <a:rPr lang="en-US" sz="1400" dirty="0"/>
+              <a:t>Button press</a:t>
+            </a:r>
+          </a:p>
+        </p:txBody>
+      </p:sp>
+      <p:sp>
+        <p:nvSpPr>
+          <p:cNvPr id="98" name="Rectangle 97">
+            <a:extLst>
+              <a:ext uri="{FF2B5EF4-FFF2-40B4-BE49-F238E27FC236}">
+                <a16:creationId xmlns:a16="http://schemas.microsoft.com/office/drawing/2014/main" id="{1711A958-25F3-B94B-7B16-C126D9483810}"/>
+              </a:ext>
+            </a:extLst>
+          </p:cNvPr>
+          <p:cNvSpPr/>
+          <p:nvPr/>
+        </p:nvSpPr>
+        <p:spPr>
+          <a:xfrm>
+            <a:off x="8715682" y="4567030"/>
+            <a:ext cx="1866900" cy="419100"/>
+          </a:xfrm>
+          <a:prstGeom prst="rect">
+            <a:avLst/>
+          </a:prstGeom>
+          <a:solidFill>
+            <a:schemeClr val="accent1"/>
+          </a:solidFill>
+        </p:spPr>
+        <p:style>
+          <a:lnRef idx="2">
+            <a:schemeClr val="accent1">
+              <a:shade val="15000"/>
+            </a:schemeClr>
+          </a:lnRef>
+          <a:fillRef idx="1">
+            <a:schemeClr val="accent1"/>
+          </a:fillRef>
+          <a:effectRef idx="0">
+            <a:schemeClr val="accent1"/>
+          </a:effectRef>
+          <a:fontRef idx="minor">
+            <a:schemeClr val="lt1"/>
+          </a:fontRef>
+        </p:style>
+        <p:txBody>
+          <a:bodyPr rtlCol="0" anchor="ctr"/>
+          <a:lstStyle/>
+          <a:p>
+            <a:pPr algn="ctr"/>
+            <a:r>
+              <a:rPr lang="en-US" sz="1400" dirty="0"/>
+              <a:t>Displays “End”</a:t>
+            </a:r>
+          </a:p>
+        </p:txBody>
+      </p:sp>
+      <p:cxnSp>
+        <p:nvCxnSpPr>
+          <p:cNvPr id="99" name="Straight Connector 98">
+            <a:extLst>
+              <a:ext uri="{FF2B5EF4-FFF2-40B4-BE49-F238E27FC236}">
+                <a16:creationId xmlns:a16="http://schemas.microsoft.com/office/drawing/2014/main" id="{217E92F4-E4C0-8323-19D5-6D88F7C58484}"/>
+              </a:ext>
+            </a:extLst>
+          </p:cNvPr>
+          <p:cNvCxnSpPr>
+            <a:cxnSpLocks/>
+          </p:cNvCxnSpPr>
+          <p:nvPr/>
+        </p:nvCxnSpPr>
+        <p:spPr>
+          <a:xfrm flipH="1" flipV="1">
+            <a:off x="8249264" y="1194005"/>
+            <a:ext cx="9218" cy="2916684"/>
+          </a:xfrm>
+          <a:prstGeom prst="line">
+            <a:avLst/>
+          </a:prstGeom>
+        </p:spPr>
+        <p:style>
+          <a:lnRef idx="1">
+            <a:schemeClr val="dk1"/>
+          </a:lnRef>
+          <a:fillRef idx="0">
+            <a:schemeClr val="dk1"/>
+          </a:fillRef>
+          <a:effectRef idx="0">
+            <a:schemeClr val="dk1"/>
+          </a:effectRef>
+          <a:fontRef idx="minor">
+            <a:schemeClr val="tx1"/>
+          </a:fontRef>
+        </p:style>
+      </p:cxnSp>
+      <p:cxnSp>
+        <p:nvCxnSpPr>
+          <p:cNvPr id="100" name="Straight Connector 99">
+            <a:extLst>
+              <a:ext uri="{FF2B5EF4-FFF2-40B4-BE49-F238E27FC236}">
+                <a16:creationId xmlns:a16="http://schemas.microsoft.com/office/drawing/2014/main" id="{B8456A7A-9398-F30C-94A0-9346CA32F03B}"/>
+              </a:ext>
+            </a:extLst>
+          </p:cNvPr>
+          <p:cNvCxnSpPr>
+            <a:cxnSpLocks/>
+            <a:stCxn id="97" idx="1"/>
+          </p:cNvCxnSpPr>
+          <p:nvPr/>
+        </p:nvCxnSpPr>
+        <p:spPr>
+          <a:xfrm flipH="1">
+            <a:off x="8258482" y="4112612"/>
+            <a:ext cx="457200" cy="0"/>
+          </a:xfrm>
+          <a:prstGeom prst="line">
+            <a:avLst/>
+          </a:prstGeom>
+        </p:spPr>
+        <p:style>
+          <a:lnRef idx="1">
+            <a:schemeClr val="dk1"/>
+          </a:lnRef>
+          <a:fillRef idx="0">
+            <a:schemeClr val="dk1"/>
+          </a:fillRef>
+          <a:effectRef idx="0">
+            <a:schemeClr val="dk1"/>
+          </a:effectRef>
+          <a:fontRef idx="minor">
+            <a:schemeClr val="tx1"/>
+          </a:fontRef>
+        </p:style>
+      </p:cxnSp>
+      <p:cxnSp>
+        <p:nvCxnSpPr>
+          <p:cNvPr id="104" name="Straight Arrow Connector 103">
+            <a:extLst>
+              <a:ext uri="{FF2B5EF4-FFF2-40B4-BE49-F238E27FC236}">
+                <a16:creationId xmlns:a16="http://schemas.microsoft.com/office/drawing/2014/main" id="{4F887476-6BF6-F359-E393-C06F97ADDBBA}"/>
+              </a:ext>
+            </a:extLst>
+          </p:cNvPr>
+          <p:cNvCxnSpPr>
+            <a:cxnSpLocks/>
+          </p:cNvCxnSpPr>
+          <p:nvPr/>
+        </p:nvCxnSpPr>
+        <p:spPr>
+          <a:xfrm flipV="1">
+            <a:off x="8249264" y="1194005"/>
+            <a:ext cx="466418" cy="6145"/>
+          </a:xfrm>
+          <a:prstGeom prst="straightConnector1">
+            <a:avLst/>
+          </a:prstGeom>
+          <a:ln>
+            <a:tailEnd type="triangle"/>
+          </a:ln>
+        </p:spPr>
+        <p:style>
+          <a:lnRef idx="1">
+            <a:schemeClr val="dk1"/>
+          </a:lnRef>
+          <a:fillRef idx="0">
+            <a:schemeClr val="dk1"/>
+          </a:fillRef>
+          <a:effectRef idx="0">
+            <a:schemeClr val="dk1"/>
+          </a:effectRef>
+          <a:fontRef idx="minor">
+            <a:schemeClr val="tx1"/>
+          </a:fontRef>
+        </p:style>
+      </p:cxnSp>
+      <p:sp>
+        <p:nvSpPr>
+          <p:cNvPr id="107" name="TextBox 106">
+            <a:extLst>
+              <a:ext uri="{FF2B5EF4-FFF2-40B4-BE49-F238E27FC236}">
+                <a16:creationId xmlns:a16="http://schemas.microsoft.com/office/drawing/2014/main" id="{D83601F7-3338-5AD8-76BF-16DEFDAA182C}"/>
+              </a:ext>
+            </a:extLst>
+          </p:cNvPr>
+          <p:cNvSpPr txBox="1"/>
+          <p:nvPr/>
+        </p:nvSpPr>
+        <p:spPr>
+          <a:xfrm>
+            <a:off x="8011754" y="4128700"/>
+            <a:ext cx="527870" cy="276999"/>
+          </a:xfrm>
+          <a:prstGeom prst="rect">
+            <a:avLst/>
+          </a:prstGeom>
+          <a:noFill/>
+        </p:spPr>
+        <p:txBody>
+          <a:bodyPr wrap="square" rtlCol="0">
+            <a:spAutoFit/>
+          </a:bodyPr>
+          <a:lstStyle/>
+          <a:p>
+            <a:r>
+              <a:rPr lang="en-US" sz="1200" b="1" dirty="0"/>
+              <a:t>&gt; 3s</a:t>
+            </a:r>
+          </a:p>
+        </p:txBody>
+      </p:sp>
+      <p:cxnSp>
+        <p:nvCxnSpPr>
+          <p:cNvPr id="108" name="Straight Connector 107">
+            <a:extLst>
+              <a:ext uri="{FF2B5EF4-FFF2-40B4-BE49-F238E27FC236}">
+                <a16:creationId xmlns:a16="http://schemas.microsoft.com/office/drawing/2014/main" id="{96EF36E7-CCED-37E6-B00F-89F5C4492CAA}"/>
+              </a:ext>
+            </a:extLst>
+          </p:cNvPr>
+          <p:cNvCxnSpPr>
+            <a:cxnSpLocks/>
+          </p:cNvCxnSpPr>
+          <p:nvPr/>
+        </p:nvCxnSpPr>
+        <p:spPr>
+          <a:xfrm>
+            <a:off x="10591800" y="4251529"/>
+            <a:ext cx="609600" cy="0"/>
+          </a:xfrm>
+          <a:prstGeom prst="line">
+            <a:avLst/>
+          </a:prstGeom>
+        </p:spPr>
+        <p:style>
+          <a:lnRef idx="2">
+            <a:schemeClr val="dk1"/>
+          </a:lnRef>
+          <a:fillRef idx="0">
+            <a:schemeClr val="dk1"/>
+          </a:fillRef>
+          <a:effectRef idx="1">
+            <a:schemeClr val="dk1"/>
+          </a:effectRef>
+          <a:fontRef idx="minor">
+            <a:schemeClr val="tx1"/>
+          </a:fontRef>
+        </p:style>
+      </p:cxnSp>
+      <p:cxnSp>
+        <p:nvCxnSpPr>
+          <p:cNvPr id="109" name="Straight Connector 108">
+            <a:extLst>
+              <a:ext uri="{FF2B5EF4-FFF2-40B4-BE49-F238E27FC236}">
+                <a16:creationId xmlns:a16="http://schemas.microsoft.com/office/drawing/2014/main" id="{5F206483-94C4-C27F-825C-B223AAF2E780}"/>
+              </a:ext>
+            </a:extLst>
+          </p:cNvPr>
+          <p:cNvCxnSpPr>
+            <a:cxnSpLocks/>
+          </p:cNvCxnSpPr>
+          <p:nvPr/>
+        </p:nvCxnSpPr>
+        <p:spPr>
+          <a:xfrm flipV="1">
+            <a:off x="11187881" y="4041979"/>
+            <a:ext cx="0" cy="196645"/>
+          </a:xfrm>
+          <a:prstGeom prst="line">
+            <a:avLst/>
+          </a:prstGeom>
+        </p:spPr>
+        <p:style>
+          <a:lnRef idx="1">
+            <a:schemeClr val="dk1"/>
+          </a:lnRef>
+          <a:fillRef idx="0">
+            <a:schemeClr val="dk1"/>
+          </a:fillRef>
+          <a:effectRef idx="0">
+            <a:schemeClr val="dk1"/>
+          </a:effectRef>
+          <a:fontRef idx="minor">
+            <a:schemeClr val="tx1"/>
+          </a:fontRef>
+        </p:style>
+      </p:cxnSp>
+      <p:cxnSp>
+        <p:nvCxnSpPr>
+          <p:cNvPr id="111" name="Straight Arrow Connector 110">
+            <a:extLst>
+              <a:ext uri="{FF2B5EF4-FFF2-40B4-BE49-F238E27FC236}">
+                <a16:creationId xmlns:a16="http://schemas.microsoft.com/office/drawing/2014/main" id="{B9E30CD8-8933-267D-5602-62FF064CE9D3}"/>
+              </a:ext>
+            </a:extLst>
+          </p:cNvPr>
+          <p:cNvCxnSpPr/>
+          <p:nvPr/>
+        </p:nvCxnSpPr>
+        <p:spPr>
+          <a:xfrm flipH="1">
+            <a:off x="10578281" y="4041979"/>
+            <a:ext cx="609600" cy="0"/>
+          </a:xfrm>
+          <a:prstGeom prst="straightConnector1">
+            <a:avLst/>
+          </a:prstGeom>
+          <a:ln>
+            <a:tailEnd type="triangle"/>
+          </a:ln>
+        </p:spPr>
+        <p:style>
+          <a:lnRef idx="1">
+            <a:schemeClr val="dk1"/>
+          </a:lnRef>
+          <a:fillRef idx="0">
+            <a:schemeClr val="dk1"/>
+          </a:fillRef>
+          <a:effectRef idx="0">
+            <a:schemeClr val="dk1"/>
+          </a:effectRef>
+          <a:fontRef idx="minor">
+            <a:schemeClr val="tx1"/>
+          </a:fontRef>
+        </p:style>
+      </p:cxnSp>
+      <p:sp>
+        <p:nvSpPr>
+          <p:cNvPr id="114" name="TextBox 113">
+            <a:extLst>
+              <a:ext uri="{FF2B5EF4-FFF2-40B4-BE49-F238E27FC236}">
+                <a16:creationId xmlns:a16="http://schemas.microsoft.com/office/drawing/2014/main" id="{E9372A67-A19F-87C0-36AF-6AF855C39702}"/>
+              </a:ext>
+            </a:extLst>
+          </p:cNvPr>
+          <p:cNvSpPr txBox="1"/>
+          <p:nvPr/>
+        </p:nvSpPr>
+        <p:spPr>
+          <a:xfrm>
+            <a:off x="10734986" y="4253604"/>
+            <a:ext cx="609591" cy="276999"/>
+          </a:xfrm>
+          <a:prstGeom prst="rect">
+            <a:avLst/>
+          </a:prstGeom>
+          <a:noFill/>
+        </p:spPr>
+        <p:txBody>
+          <a:bodyPr wrap="square" rtlCol="0">
+            <a:spAutoFit/>
+          </a:bodyPr>
+          <a:lstStyle/>
+          <a:p>
+            <a:r>
+              <a:rPr lang="en-US" sz="1200" b="1" dirty="0"/>
+              <a:t>&lt; 3s</a:t>
+            </a:r>
+          </a:p>
+        </p:txBody>
+      </p:sp>
+      <p:sp>
+        <p:nvSpPr>
+          <p:cNvPr id="115" name="TextBox 114">
+            <a:extLst>
+              <a:ext uri="{FF2B5EF4-FFF2-40B4-BE49-F238E27FC236}">
+                <a16:creationId xmlns:a16="http://schemas.microsoft.com/office/drawing/2014/main" id="{A74D3411-0B9D-1D7B-6B56-6CF3CC463689}"/>
+              </a:ext>
+            </a:extLst>
+          </p:cNvPr>
+          <p:cNvSpPr txBox="1"/>
+          <p:nvPr/>
+        </p:nvSpPr>
+        <p:spPr>
+          <a:xfrm>
+            <a:off x="10605979" y="3731256"/>
+            <a:ext cx="1287484" cy="276999"/>
+          </a:xfrm>
+          <a:prstGeom prst="rect">
+            <a:avLst/>
+          </a:prstGeom>
+          <a:noFill/>
+        </p:spPr>
+        <p:txBody>
+          <a:bodyPr wrap="square" rtlCol="0">
+            <a:spAutoFit/>
+          </a:bodyPr>
+          <a:lstStyle/>
+          <a:p>
+            <a:r>
+              <a:rPr lang="en-US" sz="1200" b="1" dirty="0"/>
+              <a:t>Pause/Resume</a:t>
+            </a:r>
+          </a:p>
+        </p:txBody>
+      </p:sp>
+      <p:cxnSp>
+        <p:nvCxnSpPr>
+          <p:cNvPr id="116" name="Straight Arrow Connector 115">
+            <a:extLst>
+              <a:ext uri="{FF2B5EF4-FFF2-40B4-BE49-F238E27FC236}">
+                <a16:creationId xmlns:a16="http://schemas.microsoft.com/office/drawing/2014/main" id="{A77B2062-A87D-FEEA-C47F-8B00BB616AF6}"/>
+              </a:ext>
+            </a:extLst>
+          </p:cNvPr>
+          <p:cNvCxnSpPr>
+            <a:cxnSpLocks/>
+            <a:endCxn id="94" idx="0"/>
+          </p:cNvCxnSpPr>
+          <p:nvPr/>
+        </p:nvCxnSpPr>
+        <p:spPr>
+          <a:xfrm>
+            <a:off x="9649132" y="1409700"/>
+            <a:ext cx="9218" cy="243926"/>
+          </a:xfrm>
+          <a:prstGeom prst="straightConnector1">
+            <a:avLst/>
+          </a:prstGeom>
+          <a:ln>
+            <a:tailEnd type="triangle"/>
+          </a:ln>
+        </p:spPr>
+        <p:style>
+          <a:lnRef idx="1">
+            <a:schemeClr val="dk1"/>
+          </a:lnRef>
+          <a:fillRef idx="0">
+            <a:schemeClr val="dk1"/>
+          </a:fillRef>
+          <a:effectRef idx="0">
+            <a:schemeClr val="dk1"/>
+          </a:effectRef>
+          <a:fontRef idx="minor">
+            <a:schemeClr val="tx1"/>
+          </a:fontRef>
+        </p:style>
+      </p:cxnSp>
+      <p:cxnSp>
+        <p:nvCxnSpPr>
+          <p:cNvPr id="118" name="Straight Arrow Connector 117">
+            <a:extLst>
+              <a:ext uri="{FF2B5EF4-FFF2-40B4-BE49-F238E27FC236}">
+                <a16:creationId xmlns:a16="http://schemas.microsoft.com/office/drawing/2014/main" id="{99C7BE5F-F1CE-7B78-C6B4-DE14838651E9}"/>
+              </a:ext>
+            </a:extLst>
+          </p:cNvPr>
+          <p:cNvCxnSpPr>
+            <a:cxnSpLocks/>
+          </p:cNvCxnSpPr>
+          <p:nvPr/>
+        </p:nvCxnSpPr>
+        <p:spPr>
+          <a:xfrm>
+            <a:off x="9639914" y="2072726"/>
+            <a:ext cx="9218" cy="243926"/>
+          </a:xfrm>
+          <a:prstGeom prst="straightConnector1">
+            <a:avLst/>
+          </a:prstGeom>
+          <a:ln>
+            <a:tailEnd type="triangle"/>
+          </a:ln>
+        </p:spPr>
+        <p:style>
+          <a:lnRef idx="1">
+            <a:schemeClr val="dk1"/>
+          </a:lnRef>
+          <a:fillRef idx="0">
+            <a:schemeClr val="dk1"/>
+          </a:fillRef>
+          <a:effectRef idx="0">
+            <a:schemeClr val="dk1"/>
+          </a:effectRef>
+          <a:fontRef idx="minor">
+            <a:schemeClr val="tx1"/>
+          </a:fontRef>
+        </p:style>
+      </p:cxnSp>
+      <p:cxnSp>
+        <p:nvCxnSpPr>
+          <p:cNvPr id="119" name="Straight Arrow Connector 118">
+            <a:extLst>
+              <a:ext uri="{FF2B5EF4-FFF2-40B4-BE49-F238E27FC236}">
+                <a16:creationId xmlns:a16="http://schemas.microsoft.com/office/drawing/2014/main" id="{45680506-C10E-40FF-7112-EFB7BF69F18C}"/>
+              </a:ext>
+            </a:extLst>
+          </p:cNvPr>
+          <p:cNvCxnSpPr>
+            <a:cxnSpLocks/>
+          </p:cNvCxnSpPr>
+          <p:nvPr/>
+        </p:nvCxnSpPr>
+        <p:spPr>
+          <a:xfrm>
+            <a:off x="9644523" y="2742340"/>
+            <a:ext cx="9218" cy="243926"/>
+          </a:xfrm>
+          <a:prstGeom prst="straightConnector1">
+            <a:avLst/>
+          </a:prstGeom>
+          <a:ln>
+            <a:tailEnd type="triangle"/>
+          </a:ln>
+        </p:spPr>
+        <p:style>
+          <a:lnRef idx="1">
+            <a:schemeClr val="dk1"/>
+          </a:lnRef>
+          <a:fillRef idx="0">
+            <a:schemeClr val="dk1"/>
+          </a:fillRef>
+          <a:effectRef idx="0">
+            <a:schemeClr val="dk1"/>
+          </a:effectRef>
+          <a:fontRef idx="minor">
+            <a:schemeClr val="tx1"/>
+          </a:fontRef>
+        </p:style>
+      </p:cxnSp>
+      <p:cxnSp>
+        <p:nvCxnSpPr>
+          <p:cNvPr id="120" name="Straight Arrow Connector 119">
+            <a:extLst>
+              <a:ext uri="{FF2B5EF4-FFF2-40B4-BE49-F238E27FC236}">
+                <a16:creationId xmlns:a16="http://schemas.microsoft.com/office/drawing/2014/main" id="{5DA08DE9-3433-C224-287D-A0A20570C3B7}"/>
+              </a:ext>
+            </a:extLst>
+          </p:cNvPr>
+          <p:cNvCxnSpPr>
+            <a:cxnSpLocks/>
+          </p:cNvCxnSpPr>
+          <p:nvPr/>
+        </p:nvCxnSpPr>
+        <p:spPr>
+          <a:xfrm>
+            <a:off x="9653741" y="3664762"/>
+            <a:ext cx="9218" cy="243926"/>
+          </a:xfrm>
+          <a:prstGeom prst="straightConnector1">
+            <a:avLst/>
+          </a:prstGeom>
+          <a:ln>
+            <a:tailEnd type="triangle"/>
+          </a:ln>
+        </p:spPr>
+        <p:style>
+          <a:lnRef idx="1">
+            <a:schemeClr val="dk1"/>
+          </a:lnRef>
+          <a:fillRef idx="0">
+            <a:schemeClr val="dk1"/>
+          </a:fillRef>
+          <a:effectRef idx="0">
+            <a:schemeClr val="dk1"/>
+          </a:effectRef>
+          <a:fontRef idx="minor">
+            <a:schemeClr val="tx1"/>
+          </a:fontRef>
+        </p:style>
+      </p:cxnSp>
+      <p:cxnSp>
+        <p:nvCxnSpPr>
+          <p:cNvPr id="121" name="Straight Arrow Connector 120">
+            <a:extLst>
+              <a:ext uri="{FF2B5EF4-FFF2-40B4-BE49-F238E27FC236}">
+                <a16:creationId xmlns:a16="http://schemas.microsoft.com/office/drawing/2014/main" id="{9713CC40-348A-C942-7B9E-1B15405A3533}"/>
+              </a:ext>
+            </a:extLst>
+          </p:cNvPr>
+          <p:cNvCxnSpPr>
+            <a:cxnSpLocks/>
+          </p:cNvCxnSpPr>
+          <p:nvPr/>
+        </p:nvCxnSpPr>
+        <p:spPr>
+          <a:xfrm>
+            <a:off x="9665724" y="4327762"/>
+            <a:ext cx="9218" cy="243926"/>
+          </a:xfrm>
+          <a:prstGeom prst="straightConnector1">
+            <a:avLst/>
+          </a:prstGeom>
+          <a:ln>
+            <a:tailEnd type="triangle"/>
+          </a:ln>
+        </p:spPr>
+        <p:style>
+          <a:lnRef idx="1">
+            <a:schemeClr val="dk1"/>
+          </a:lnRef>
+          <a:fillRef idx="0">
+            <a:schemeClr val="dk1"/>
+          </a:fillRef>
+          <a:effectRef idx="0">
+            <a:schemeClr val="dk1"/>
+          </a:effectRef>
+          <a:fontRef idx="minor">
+            <a:schemeClr val="tx1"/>
+          </a:fontRef>
+        </p:style>
+      </p:cxnSp>
+      <p:sp>
+        <p:nvSpPr>
+          <p:cNvPr id="122" name="Rectangle: Rounded Corners 121">
+            <a:extLst>
+              <a:ext uri="{FF2B5EF4-FFF2-40B4-BE49-F238E27FC236}">
+                <a16:creationId xmlns:a16="http://schemas.microsoft.com/office/drawing/2014/main" id="{34E06446-F504-2BE8-8D65-496CD2C7773E}"/>
+              </a:ext>
+            </a:extLst>
+          </p:cNvPr>
+          <p:cNvSpPr/>
+          <p:nvPr/>
+        </p:nvSpPr>
+        <p:spPr>
+          <a:xfrm>
+            <a:off x="8000693" y="762000"/>
+            <a:ext cx="3892770" cy="4505441"/>
+          </a:xfrm>
+          <a:prstGeom prst="roundRect">
+            <a:avLst/>
+          </a:prstGeom>
+          <a:noFill/>
+          <a:ln w="25400">
+            <a:solidFill>
+              <a:schemeClr val="tx1"/>
+            </a:solidFill>
+            <a:prstDash val="sysDash"/>
+          </a:ln>
+        </p:spPr>
+        <p:style>
+          <a:lnRef idx="2">
+            <a:schemeClr val="accent1">
+              <a:shade val="15000"/>
+            </a:schemeClr>
+          </a:lnRef>
+          <a:fillRef idx="1">
+            <a:schemeClr val="accent1"/>
+          </a:fillRef>
+          <a:effectRef idx="0">
+            <a:schemeClr val="accent1"/>
+          </a:effectRef>
+          <a:fontRef idx="minor">
+            <a:schemeClr val="lt1"/>
+          </a:fontRef>
+        </p:style>
+        <p:txBody>
+          <a:bodyPr rtlCol="0" anchor="ctr"/>
+          <a:lstStyle/>
+          <a:p>
+            <a:pPr algn="ctr"/>
+            <a:endParaRPr lang="en-US"/>
+          </a:p>
+        </p:txBody>
+      </p:sp>
+      <p:cxnSp>
+        <p:nvCxnSpPr>
+          <p:cNvPr id="124" name="Straight Connector 123">
+            <a:extLst>
+              <a:ext uri="{FF2B5EF4-FFF2-40B4-BE49-F238E27FC236}">
+                <a16:creationId xmlns:a16="http://schemas.microsoft.com/office/drawing/2014/main" id="{CCC36A37-F06D-D540-801F-A24A81F676D3}"/>
+              </a:ext>
+            </a:extLst>
+          </p:cNvPr>
+          <p:cNvCxnSpPr>
+            <a:stCxn id="4" idx="1"/>
+            <a:endCxn id="90" idx="3"/>
+          </p:cNvCxnSpPr>
+          <p:nvPr/>
+        </p:nvCxnSpPr>
+        <p:spPr>
+          <a:xfrm flipH="1">
+            <a:off x="2695189" y="1619250"/>
+            <a:ext cx="1610111" cy="674741"/>
+          </a:xfrm>
+          <a:prstGeom prst="line">
+            <a:avLst/>
+          </a:prstGeom>
+          <a:ln>
+            <a:solidFill>
+              <a:srgbClr val="FFC000"/>
+            </a:solidFill>
+          </a:ln>
+        </p:spPr>
+        <p:style>
+          <a:lnRef idx="2">
+            <a:schemeClr val="accent3"/>
+          </a:lnRef>
+          <a:fillRef idx="0">
+            <a:schemeClr val="accent3"/>
+          </a:fillRef>
+          <a:effectRef idx="1">
+            <a:schemeClr val="accent3"/>
+          </a:effectRef>
+          <a:fontRef idx="minor">
+            <a:schemeClr val="tx1"/>
+          </a:fontRef>
+        </p:style>
+      </p:cxnSp>
+      <p:cxnSp>
+        <p:nvCxnSpPr>
+          <p:cNvPr id="125" name="Straight Arrow Connector 124">
+            <a:extLst>
+              <a:ext uri="{FF2B5EF4-FFF2-40B4-BE49-F238E27FC236}">
+                <a16:creationId xmlns:a16="http://schemas.microsoft.com/office/drawing/2014/main" id="{51372376-EFDE-44DD-6BE4-AC41B026FBA7}"/>
+              </a:ext>
+            </a:extLst>
+          </p:cNvPr>
+          <p:cNvCxnSpPr>
+            <a:cxnSpLocks/>
+          </p:cNvCxnSpPr>
+          <p:nvPr/>
+        </p:nvCxnSpPr>
+        <p:spPr>
+          <a:xfrm>
+            <a:off x="3835810" y="1632769"/>
+            <a:ext cx="469490" cy="0"/>
+          </a:xfrm>
+          <a:prstGeom prst="straightConnector1">
+            <a:avLst/>
+          </a:prstGeom>
+          <a:ln>
+            <a:tailEnd type="triangle"/>
+          </a:ln>
+        </p:spPr>
+        <p:style>
+          <a:lnRef idx="1">
+            <a:schemeClr val="dk1"/>
+          </a:lnRef>
+          <a:fillRef idx="0">
+            <a:schemeClr val="dk1"/>
+          </a:fillRef>
+          <a:effectRef idx="0">
+            <a:schemeClr val="dk1"/>
+          </a:effectRef>
+          <a:fontRef idx="minor">
+            <a:schemeClr val="tx1"/>
+          </a:fontRef>
+        </p:style>
+      </p:cxnSp>
+      <p:sp>
+        <p:nvSpPr>
+          <p:cNvPr id="126" name="TextBox 125">
+            <a:extLst>
+              <a:ext uri="{FF2B5EF4-FFF2-40B4-BE49-F238E27FC236}">
+                <a16:creationId xmlns:a16="http://schemas.microsoft.com/office/drawing/2014/main" id="{F646EE48-1400-6965-DB00-BE2FA9D14D5C}"/>
+              </a:ext>
+            </a:extLst>
+          </p:cNvPr>
+          <p:cNvSpPr txBox="1"/>
+          <p:nvPr/>
+        </p:nvSpPr>
+        <p:spPr>
+          <a:xfrm>
+            <a:off x="3427007" y="1318385"/>
+            <a:ext cx="842185" cy="461665"/>
+          </a:xfrm>
+          <a:prstGeom prst="rect">
+            <a:avLst/>
+          </a:prstGeom>
+          <a:noFill/>
+        </p:spPr>
+        <p:txBody>
+          <a:bodyPr wrap="square" rtlCol="0">
+            <a:spAutoFit/>
+          </a:bodyPr>
+          <a:lstStyle/>
+          <a:p>
+            <a:r>
+              <a:rPr lang="en-US" sz="1200" b="1" dirty="0"/>
+              <a:t>Power up</a:t>
+            </a:r>
+          </a:p>
+        </p:txBody>
+      </p:sp>
+      <p:cxnSp>
+        <p:nvCxnSpPr>
+          <p:cNvPr id="127" name="Straight Connector 126">
+            <a:extLst>
+              <a:ext uri="{FF2B5EF4-FFF2-40B4-BE49-F238E27FC236}">
+                <a16:creationId xmlns:a16="http://schemas.microsoft.com/office/drawing/2014/main" id="{5E3952DF-B433-688F-D9BF-21301DAF32F1}"/>
+              </a:ext>
+            </a:extLst>
+          </p:cNvPr>
+          <p:cNvCxnSpPr>
+            <a:cxnSpLocks/>
+            <a:stCxn id="5" idx="1"/>
+            <a:endCxn id="91" idx="3"/>
+          </p:cNvCxnSpPr>
+          <p:nvPr/>
+        </p:nvCxnSpPr>
+        <p:spPr>
+          <a:xfrm flipH="1">
+            <a:off x="2690273" y="2381250"/>
+            <a:ext cx="1615027" cy="2006644"/>
+          </a:xfrm>
+          <a:prstGeom prst="line">
+            <a:avLst/>
+          </a:prstGeom>
+          <a:ln>
+            <a:solidFill>
+              <a:srgbClr val="FFC000"/>
+            </a:solidFill>
+          </a:ln>
+        </p:spPr>
+        <p:style>
+          <a:lnRef idx="2">
+            <a:schemeClr val="accent3"/>
+          </a:lnRef>
+          <a:fillRef idx="0">
+            <a:schemeClr val="accent3"/>
+          </a:fillRef>
+          <a:effectRef idx="1">
+            <a:schemeClr val="accent3"/>
+          </a:effectRef>
+          <a:fontRef idx="minor">
+            <a:schemeClr val="tx1"/>
+          </a:fontRef>
+        </p:style>
+      </p:cxnSp>
+      <p:cxnSp>
+        <p:nvCxnSpPr>
+          <p:cNvPr id="130" name="Straight Connector 129">
+            <a:extLst>
+              <a:ext uri="{FF2B5EF4-FFF2-40B4-BE49-F238E27FC236}">
+                <a16:creationId xmlns:a16="http://schemas.microsoft.com/office/drawing/2014/main" id="{8CA6B473-F9FB-2B3A-14EA-A6A6390E7603}"/>
+              </a:ext>
+            </a:extLst>
+          </p:cNvPr>
+          <p:cNvCxnSpPr>
+            <a:cxnSpLocks/>
+            <a:stCxn id="7" idx="1"/>
+            <a:endCxn id="92" idx="3"/>
+          </p:cNvCxnSpPr>
+          <p:nvPr/>
+        </p:nvCxnSpPr>
+        <p:spPr>
+          <a:xfrm flipH="1">
+            <a:off x="2667000" y="3916311"/>
+            <a:ext cx="1638300" cy="2085611"/>
+          </a:xfrm>
+          <a:prstGeom prst="line">
+            <a:avLst/>
+          </a:prstGeom>
+          <a:ln>
+            <a:solidFill>
+              <a:srgbClr val="FFC000"/>
+            </a:solidFill>
+          </a:ln>
+        </p:spPr>
+        <p:style>
+          <a:lnRef idx="2">
+            <a:schemeClr val="accent3"/>
+          </a:lnRef>
+          <a:fillRef idx="0">
+            <a:schemeClr val="accent3"/>
+          </a:fillRef>
+          <a:effectRef idx="1">
+            <a:schemeClr val="accent3"/>
+          </a:effectRef>
+          <a:fontRef idx="minor">
+            <a:schemeClr val="tx1"/>
+          </a:fontRef>
+        </p:style>
+      </p:cxnSp>
+      <p:cxnSp>
+        <p:nvCxnSpPr>
+          <p:cNvPr id="133" name="Straight Connector 132">
+            <a:extLst>
+              <a:ext uri="{FF2B5EF4-FFF2-40B4-BE49-F238E27FC236}">
+                <a16:creationId xmlns:a16="http://schemas.microsoft.com/office/drawing/2014/main" id="{5BA2410A-3878-65E9-C8A7-A0BFBA5D89EA}"/>
+              </a:ext>
+            </a:extLst>
+          </p:cNvPr>
+          <p:cNvCxnSpPr>
+            <a:cxnSpLocks/>
+            <a:stCxn id="122" idx="1"/>
+            <a:endCxn id="8" idx="3"/>
+          </p:cNvCxnSpPr>
+          <p:nvPr/>
+        </p:nvCxnSpPr>
+        <p:spPr>
+          <a:xfrm flipH="1">
+            <a:off x="6161139" y="3014721"/>
+            <a:ext cx="1839554" cy="1688170"/>
+          </a:xfrm>
+          <a:prstGeom prst="line">
+            <a:avLst/>
+          </a:prstGeom>
+          <a:ln>
+            <a:solidFill>
+              <a:srgbClr val="FFC000"/>
+            </a:solidFill>
+          </a:ln>
+        </p:spPr>
+        <p:style>
+          <a:lnRef idx="2">
+            <a:schemeClr val="accent3"/>
+          </a:lnRef>
+          <a:fillRef idx="0">
+            <a:schemeClr val="accent3"/>
+          </a:fillRef>
+          <a:effectRef idx="1">
+            <a:schemeClr val="accent3"/>
+          </a:effectRef>
+          <a:fontRef idx="minor">
+            <a:schemeClr val="tx1"/>
+          </a:fontRef>
+        </p:style>
+      </p:cxnSp>
+    </p:spTree>
+    <p:extLst>
+      <p:ext uri="{BB962C8B-B14F-4D97-AF65-F5344CB8AC3E}">
+        <p14:creationId xmlns:p14="http://schemas.microsoft.com/office/powerpoint/2010/main" val="3883167788"/>
+      </p:ext>
+    </p:extLst>
+  </p:cSld>
+  <p:clrMapOvr>
+    <a:masterClrMapping/>
+  </p:clrMapOvr>
+  <mc:AlternateContent xmlns:mc="http://schemas.openxmlformats.org/markup-compatibility/2006" xmlns:p14="http://schemas.microsoft.com/office/powerpoint/2010/main">
+    <mc:Choice Requires="p14">
+      <p:transition spd="med" p14:dur="700">
+        <p:fade/>
+      </p:transition>
+    </mc:Choice>
+    <mc:Fallback xmlns="">
+      <p:transition spd="med">
+        <p:fade/>
+      </p:transition>
+    </mc:Fallback>
+  </mc:AlternateContent>
+</p:sld>
+</file>
+
+<file path=ppt/slides/slide7.xml><?xml version="1.0" encoding="utf-8"?>
+<p:sld xmlns:a="http://schemas.openxmlformats.org/drawingml/2006/main" xmlns:r="http://schemas.openxmlformats.org/officeDocument/2006/relationships" xmlns:p="http://schemas.openxmlformats.org/presentationml/2006/main">
+  <p:cSld>
+    <p:spTree>
+      <p:nvGrpSpPr>
+        <p:cNvPr id="1" name=""/>
+        <p:cNvGrpSpPr/>
+        <p:nvPr/>
+      </p:nvGrpSpPr>
+      <p:grpSpPr>
+        <a:xfrm>
+          <a:off x="0" y="0"/>
+          <a:ext cx="0" cy="0"/>
+          <a:chOff x="0" y="0"/>
+          <a:chExt cx="0" cy="0"/>
+        </a:xfrm>
+      </p:grpSpPr>
+      <p:pic>
+        <p:nvPicPr>
+          <p:cNvPr id="5" name="Picture 4">
+            <a:extLst>
+              <a:ext uri="{FF2B5EF4-FFF2-40B4-BE49-F238E27FC236}">
+                <a16:creationId xmlns:a16="http://schemas.microsoft.com/office/drawing/2014/main" id="{1713A9FD-53AC-6AB3-D9B8-D6E992ED1FA1}"/>
+              </a:ext>
+            </a:extLst>
+          </p:cNvPr>
+          <p:cNvPicPr>
+            <a:picLocks noChangeAspect="1"/>
+          </p:cNvPicPr>
+          <p:nvPr/>
+        </p:nvPicPr>
+        <p:blipFill>
+          <a:blip r:embed="rId2"/>
+          <a:stretch>
+            <a:fillRect/>
+          </a:stretch>
+        </p:blipFill>
+        <p:spPr>
+          <a:xfrm>
+            <a:off x="3238500" y="600870"/>
+            <a:ext cx="5524500" cy="5656259"/>
+          </a:xfrm>
+          <a:prstGeom prst="rect">
+            <a:avLst/>
+          </a:prstGeom>
+        </p:spPr>
+      </p:pic>
+    </p:spTree>
+    <p:extLst>
+      <p:ext uri="{BB962C8B-B14F-4D97-AF65-F5344CB8AC3E}">
+        <p14:creationId xmlns:p14="http://schemas.microsoft.com/office/powerpoint/2010/main" val="4114337174"/>
+      </p:ext>
+    </p:extLst>
+  </p:cSld>
+  <p:clrMapOvr>
+    <a:masterClrMapping/>
+  </p:clrMapOvr>
+  <mc:AlternateContent xmlns:mc="http://schemas.openxmlformats.org/markup-compatibility/2006" xmlns:p14="http://schemas.microsoft.com/office/powerpoint/2010/main">
+    <mc:Choice Requires="p14">
+      <p:transition spd="med" p14:dur="700">
+        <p:fade/>
+      </p:transition>
+    </mc:Choice>
+    <mc:Fallback xmlns="">
+      <p:transition spd="med">
+        <p:fade/>
+      </p:transition>
+    </mc:Fallback>
+  </mc:AlternateContent>
+</p:sld>
+</file>
+
 <file path=ppt/theme/theme1.xml><?xml version="1.0" encoding="utf-8"?>
 <a:theme xmlns:a="http://schemas.openxmlformats.org/drawingml/2006/main" name="Diamond Grid 16x9">
   <a:themeElements>
